--- a/stosc_services/PPT/Obituary.pptx
+++ b/stosc_services/PPT/Obituary.pptx
@@ -283,7 +283,7 @@
           <a:p>
             <a:fld id="{48A87A34-81AB-432B-8DAE-1953F412C126}" type="datetimeFigureOut">
               <a:rPr lang="en-US" smtClean="0"/>
-              <a:t>9/19/2020</a:t>
+              <a:t>10/24/2020</a:t>
             </a:fld>
             <a:endParaRPr lang="en-US" dirty="0"/>
           </a:p>
@@ -596,7 +596,7 @@
             <a:fld id="{48A87A34-81AB-432B-8DAE-1953F412C126}" type="datetimeFigureOut">
               <a:rPr lang="en-US" smtClean="0"/>
               <a:pPr/>
-              <a:t>9/19/2020</a:t>
+              <a:t>10/24/2020</a:t>
             </a:fld>
             <a:endParaRPr lang="en-US" dirty="0"/>
           </a:p>
@@ -820,7 +820,7 @@
             <a:fld id="{48A87A34-81AB-432B-8DAE-1953F412C126}" type="datetimeFigureOut">
               <a:rPr lang="en-US" smtClean="0"/>
               <a:pPr/>
-              <a:t>9/19/2020</a:t>
+              <a:t>10/24/2020</a:t>
             </a:fld>
             <a:endParaRPr lang="en-US" dirty="0"/>
           </a:p>
@@ -1113,7 +1113,7 @@
             <a:fld id="{48A87A34-81AB-432B-8DAE-1953F412C126}" type="datetimeFigureOut">
               <a:rPr lang="en-US" smtClean="0"/>
               <a:pPr/>
-              <a:t>9/19/2020</a:t>
+              <a:t>10/24/2020</a:t>
             </a:fld>
             <a:endParaRPr lang="en-US" dirty="0"/>
           </a:p>
@@ -1569,7 +1569,7 @@
             <a:fld id="{48A87A34-81AB-432B-8DAE-1953F412C126}" type="datetimeFigureOut">
               <a:rPr lang="en-US" smtClean="0"/>
               <a:pPr/>
-              <a:t>9/19/2020</a:t>
+              <a:t>10/24/2020</a:t>
             </a:fld>
             <a:endParaRPr lang="en-US" dirty="0"/>
           </a:p>
@@ -2147,7 +2147,7 @@
             <a:fld id="{48A87A34-81AB-432B-8DAE-1953F412C126}" type="datetimeFigureOut">
               <a:rPr lang="en-US" smtClean="0"/>
               <a:pPr/>
-              <a:t>9/19/2020</a:t>
+              <a:t>10/24/2020</a:t>
             </a:fld>
             <a:endParaRPr lang="en-US" dirty="0"/>
           </a:p>
@@ -3001,7 +3001,7 @@
             <a:fld id="{48A87A34-81AB-432B-8DAE-1953F412C126}" type="datetimeFigureOut">
               <a:rPr lang="en-US" smtClean="0"/>
               <a:pPr/>
-              <a:t>9/19/2020</a:t>
+              <a:t>10/24/2020</a:t>
             </a:fld>
             <a:endParaRPr lang="en-US" dirty="0"/>
           </a:p>
@@ -3208,7 +3208,7 @@
             <a:fld id="{48A87A34-81AB-432B-8DAE-1953F412C126}" type="datetimeFigureOut">
               <a:rPr lang="en-US" smtClean="0"/>
               <a:pPr/>
-              <a:t>9/19/2020</a:t>
+              <a:t>10/24/2020</a:t>
             </a:fld>
             <a:endParaRPr lang="en-US" dirty="0"/>
           </a:p>
@@ -3424,7 +3424,7 @@
             <a:fld id="{48A87A34-81AB-432B-8DAE-1953F412C126}" type="datetimeFigureOut">
               <a:rPr lang="en-US" smtClean="0"/>
               <a:pPr/>
-              <a:t>9/19/2020</a:t>
+              <a:t>10/24/2020</a:t>
             </a:fld>
             <a:endParaRPr lang="en-US" dirty="0"/>
           </a:p>
@@ -3595,7 +3595,7 @@
           <a:p>
             <a:fld id="{48A87A34-81AB-432B-8DAE-1953F412C126}" type="datetimeFigureOut">
               <a:rPr lang="en-US" smtClean="0"/>
-              <a:t>9/19/2020</a:t>
+              <a:t>10/24/2020</a:t>
             </a:fld>
             <a:endParaRPr lang="en-US" dirty="0"/>
           </a:p>
@@ -3801,7 +3801,7 @@
             <a:fld id="{48A87A34-81AB-432B-8DAE-1953F412C126}" type="datetimeFigureOut">
               <a:rPr lang="en-US" smtClean="0"/>
               <a:pPr/>
-              <a:t>9/19/2020</a:t>
+              <a:t>10/24/2020</a:t>
             </a:fld>
             <a:endParaRPr lang="en-US" dirty="0"/>
           </a:p>
@@ -4082,7 +4082,7 @@
           <a:p>
             <a:fld id="{48A87A34-81AB-432B-8DAE-1953F412C126}" type="datetimeFigureOut">
               <a:rPr lang="en-US" smtClean="0"/>
-              <a:t>9/19/2020</a:t>
+              <a:t>10/24/2020</a:t>
             </a:fld>
             <a:endParaRPr lang="en-US" dirty="0"/>
           </a:p>
@@ -4350,7 +4350,7 @@
             <a:fld id="{48A87A34-81AB-432B-8DAE-1953F412C126}" type="datetimeFigureOut">
               <a:rPr lang="en-US" smtClean="0"/>
               <a:pPr/>
-              <a:t>9/19/2020</a:t>
+              <a:t>10/24/2020</a:t>
             </a:fld>
             <a:endParaRPr lang="en-US" dirty="0"/>
           </a:p>
@@ -4767,7 +4767,7 @@
             <a:fld id="{48A87A34-81AB-432B-8DAE-1953F412C126}" type="datetimeFigureOut">
               <a:rPr lang="en-US" smtClean="0"/>
               <a:pPr/>
-              <a:t>9/19/2020</a:t>
+              <a:t>10/24/2020</a:t>
             </a:fld>
             <a:endParaRPr lang="en-US" dirty="0"/>
           </a:p>
@@ -4916,7 +4916,7 @@
           <a:p>
             <a:fld id="{48A87A34-81AB-432B-8DAE-1953F412C126}" type="datetimeFigureOut">
               <a:rPr lang="en-US" smtClean="0"/>
-              <a:t>9/19/2020</a:t>
+              <a:t>10/24/2020</a:t>
             </a:fld>
             <a:endParaRPr lang="en-US" dirty="0"/>
           </a:p>
@@ -5041,7 +5041,7 @@
           <a:p>
             <a:fld id="{48A87A34-81AB-432B-8DAE-1953F412C126}" type="datetimeFigureOut">
               <a:rPr lang="en-US" smtClean="0"/>
-              <a:t>9/19/2020</a:t>
+              <a:t>10/24/2020</a:t>
             </a:fld>
             <a:endParaRPr lang="en-US" dirty="0"/>
           </a:p>
@@ -5321,7 +5321,7 @@
             <a:fld id="{48A87A34-81AB-432B-8DAE-1953F412C126}" type="datetimeFigureOut">
               <a:rPr lang="en-US" smtClean="0"/>
               <a:pPr/>
-              <a:t>9/19/2020</a:t>
+              <a:t>10/24/2020</a:t>
             </a:fld>
             <a:endParaRPr lang="en-US" dirty="0"/>
           </a:p>
@@ -5634,7 +5634,7 @@
           <a:p>
             <a:fld id="{48A87A34-81AB-432B-8DAE-1953F412C126}" type="datetimeFigureOut">
               <a:rPr lang="en-US" smtClean="0"/>
-              <a:t>9/19/2020</a:t>
+              <a:t>10/24/2020</a:t>
             </a:fld>
             <a:endParaRPr lang="en-US" dirty="0"/>
           </a:p>
@@ -5888,7 +5888,7 @@
             <a:fld id="{48A87A34-81AB-432B-8DAE-1953F412C126}" type="datetimeFigureOut">
               <a:rPr lang="en-US" smtClean="0"/>
               <a:pPr/>
-              <a:t>9/19/2020</a:t>
+              <a:t>10/24/2020</a:t>
             </a:fld>
             <a:endParaRPr lang="en-US" dirty="0"/>
           </a:p>
@@ -6339,7 +6339,7 @@
           <p:cNvPr id="9" name="Picture 8" descr="A close up of a flower&#10;&#10;Description automatically generated">
             <a:extLst>
               <a:ext uri="{FF2B5EF4-FFF2-40B4-BE49-F238E27FC236}">
-                <a16:creationId xmlns:a16="http://schemas.microsoft.com/office/drawing/2014/main" id="{C64352A9-4F48-4E22-8EA7-48BCFF692FC3}"/>
+                <a16:creationId xmlns:a16="http://schemas.microsoft.com/office/drawing/2014/main" xmlns="" id="{C64352A9-4F48-4E22-8EA7-48BCFF692FC3}"/>
               </a:ext>
             </a:extLst>
           </p:cNvPr>
@@ -6369,7 +6369,7 @@
           <p:cNvPr id="10" name="Content Placeholder 2">
             <a:extLst>
               <a:ext uri="{FF2B5EF4-FFF2-40B4-BE49-F238E27FC236}">
-                <a16:creationId xmlns:a16="http://schemas.microsoft.com/office/drawing/2014/main" id="{C0442AE5-99FF-4D45-A717-42F72F7BC74E}"/>
+                <a16:creationId xmlns:a16="http://schemas.microsoft.com/office/drawing/2014/main" xmlns="" id="{C0442AE5-99FF-4D45-A717-42F72F7BC74E}"/>
               </a:ext>
             </a:extLst>
           </p:cNvPr>
@@ -6389,7 +6389,7 @@
         </p:spPr>
         <p:txBody>
           <a:bodyPr>
-            <a:normAutofit/>
+            <a:normAutofit lnSpcReduction="10000"/>
           </a:bodyPr>
           <a:lstStyle/>
           <a:p>
@@ -6397,61 +6397,106 @@
               <a:buNone/>
             </a:pPr>
             <a:r>
+              <a:rPr lang="en-US" sz="2800" b="1" dirty="0" err="1"/>
+              <a:t>Mr</a:t>
+            </a:r>
+            <a:r>
               <a:rPr lang="en-US" sz="2800" b="1" dirty="0"/>
-              <a:t>Mrs. </a:t>
+              <a:t> </a:t>
+            </a:r>
+            <a:r>
+              <a:rPr lang="en-US" sz="2800" b="1" dirty="0" smtClean="0"/>
+              <a:t>K. T. </a:t>
             </a:r>
             <a:r>
               <a:rPr lang="en-US" sz="2800" b="1" dirty="0" err="1"/>
-              <a:t>Amini</a:t>
+              <a:t>Mammen</a:t>
             </a:r>
             <a:r>
               <a:rPr lang="en-US" sz="2800" b="1" dirty="0"/>
-              <a:t> Thomas </a:t>
+              <a:t> </a:t>
             </a:r>
             <a:r>
               <a:rPr lang="en-US" sz="2800" dirty="0"/>
-              <a:t>(81 </a:t>
-            </a:r>
-            <a:r>
-              <a:rPr lang="en-US" sz="2800" dirty="0" err="1"/>
-              <a:t>yrs</a:t>
+              <a:t>(</a:t>
+            </a:r>
+            <a:r>
+              <a:rPr lang="en-US" sz="2800" dirty="0" smtClean="0"/>
+              <a:t>78yrs) </a:t>
             </a:r>
             <a:r>
               <a:rPr lang="en-US" sz="2800" dirty="0"/>
-              <a:t>) mother of Mrs. </a:t>
-            </a:r>
-            <a:r>
-              <a:rPr lang="en-US" sz="2800" dirty="0" err="1"/>
-              <a:t>Sheeba</a:t>
+              <a:t>father of Mrs. Reena George(M045) </a:t>
+            </a:r>
+            <a:r>
+              <a:rPr lang="en-US" sz="2800" dirty="0" smtClean="0"/>
+              <a:t>was called </a:t>
             </a:r>
             <a:r>
               <a:rPr lang="en-US" sz="2800" dirty="0"/>
-              <a:t> Zachariah (Z001) called to heavenly abode on SEP 14</a:t>
-            </a:r>
-            <a:r>
-              <a:rPr lang="en-US" sz="2800" baseline="30000" dirty="0"/>
+              <a:t>to heavenly abode </a:t>
+            </a:r>
+            <a:r>
+              <a:rPr lang="en-US" sz="2800" dirty="0" smtClean="0"/>
+              <a:t>on Oct 20</a:t>
+            </a:r>
+            <a:r>
+              <a:rPr lang="en-US" sz="2800" baseline="30000" dirty="0" smtClean="0"/>
               <a:t>th</a:t>
             </a:r>
             <a:r>
+              <a:rPr lang="en-US" sz="2800" dirty="0" smtClean="0"/>
+              <a:t>, 2020. </a:t>
+            </a:r>
+            <a:r>
+              <a:rPr lang="en-US" sz="2800" dirty="0" smtClean="0"/>
+              <a:t>the </a:t>
+            </a:r>
+            <a:r>
               <a:rPr lang="en-US" sz="2800" dirty="0"/>
-              <a:t>, 2020. the Funeral was held in </a:t>
-            </a:r>
-            <a:r>
-              <a:rPr lang="en-US" sz="2800" dirty="0" err="1"/>
-              <a:t>Kulanada</a:t>
+              <a:t>Funeral was held in </a:t>
+            </a:r>
+            <a:r>
+              <a:rPr lang="en-US" sz="2800" dirty="0" err="1" smtClean="0"/>
+              <a:t>Angadica</a:t>
+            </a:r>
+            <a:r>
+              <a:rPr lang="en-US" sz="2800" dirty="0" err="1" smtClean="0"/>
+              <a:t>l</a:t>
+            </a:r>
+            <a:r>
+              <a:rPr lang="en-US" sz="2800" dirty="0" smtClean="0"/>
+              <a:t> South, </a:t>
+            </a:r>
+            <a:r>
+              <a:rPr lang="en-US" sz="2800" dirty="0" err="1" smtClean="0"/>
+              <a:t>Chengannur</a:t>
+            </a:r>
+            <a:r>
+              <a:rPr lang="en-US" sz="2800" dirty="0" smtClean="0"/>
+              <a:t>, </a:t>
             </a:r>
             <a:r>
               <a:rPr lang="en-US" sz="2800" dirty="0"/>
-              <a:t>, Kerala on SEP 15</a:t>
-            </a:r>
-            <a:r>
-              <a:rPr lang="en-US" sz="2800" baseline="30000" dirty="0"/>
+              <a:t>Kerala on </a:t>
+            </a:r>
+            <a:r>
+              <a:rPr lang="en-US" sz="2800" dirty="0"/>
+              <a:t>Oct </a:t>
+            </a:r>
+            <a:r>
+              <a:rPr lang="en-US" sz="2800" dirty="0" smtClean="0"/>
+              <a:t>24</a:t>
+            </a:r>
+            <a:r>
+              <a:rPr lang="en-US" sz="2800" baseline="30000" dirty="0" smtClean="0"/>
               <a:t>th</a:t>
             </a:r>
             <a:r>
               <a:rPr lang="en-US" sz="2800" dirty="0"/>
               <a:t>, 2020. </a:t>
             </a:r>
+            <a:endParaRPr lang="en-US" sz="2800" dirty="0"/>
           </a:p>
           <a:p>
             <a:pPr marL="0" indent="0">
@@ -6469,7 +6514,7 @@
           <p:cNvPr id="11" name="Title 1">
             <a:extLst>
               <a:ext uri="{FF2B5EF4-FFF2-40B4-BE49-F238E27FC236}">
-                <a16:creationId xmlns:a16="http://schemas.microsoft.com/office/drawing/2014/main" id="{3F1D8B64-2330-4C65-B36A-4993E36D19E0}"/>
+                <a16:creationId xmlns:a16="http://schemas.microsoft.com/office/drawing/2014/main" xmlns="" id="{3F1D8B64-2330-4C65-B36A-4993E36D19E0}"/>
               </a:ext>
             </a:extLst>
           </p:cNvPr>
@@ -6482,8 +6527,8 @@
         </p:nvSpPr>
         <p:spPr>
           <a:xfrm>
-            <a:off x="4158570" y="313717"/>
-            <a:ext cx="5855416" cy="1596177"/>
+            <a:off x="4158570" y="313718"/>
+            <a:ext cx="5855416" cy="869624"/>
           </a:xfrm>
         </p:spPr>
         <p:txBody>

--- a/stosc_services/PPT/Obituary.pptx
+++ b/stosc_services/PPT/Obituary.pptx
@@ -283,7 +283,7 @@
           <a:p>
             <a:fld id="{48A87A34-81AB-432B-8DAE-1953F412C126}" type="datetimeFigureOut">
               <a:rPr lang="en-US" smtClean="0"/>
-              <a:t>10/24/2020</a:t>
+              <a:t>11/10/2020</a:t>
             </a:fld>
             <a:endParaRPr lang="en-US" dirty="0"/>
           </a:p>
@@ -596,7 +596,7 @@
             <a:fld id="{48A87A34-81AB-432B-8DAE-1953F412C126}" type="datetimeFigureOut">
               <a:rPr lang="en-US" smtClean="0"/>
               <a:pPr/>
-              <a:t>10/24/2020</a:t>
+              <a:t>11/10/2020</a:t>
             </a:fld>
             <a:endParaRPr lang="en-US" dirty="0"/>
           </a:p>
@@ -820,7 +820,7 @@
             <a:fld id="{48A87A34-81AB-432B-8DAE-1953F412C126}" type="datetimeFigureOut">
               <a:rPr lang="en-US" smtClean="0"/>
               <a:pPr/>
-              <a:t>10/24/2020</a:t>
+              <a:t>11/10/2020</a:t>
             </a:fld>
             <a:endParaRPr lang="en-US" dirty="0"/>
           </a:p>
@@ -1113,7 +1113,7 @@
             <a:fld id="{48A87A34-81AB-432B-8DAE-1953F412C126}" type="datetimeFigureOut">
               <a:rPr lang="en-US" smtClean="0"/>
               <a:pPr/>
-              <a:t>10/24/2020</a:t>
+              <a:t>11/10/2020</a:t>
             </a:fld>
             <a:endParaRPr lang="en-US" dirty="0"/>
           </a:p>
@@ -1569,7 +1569,7 @@
             <a:fld id="{48A87A34-81AB-432B-8DAE-1953F412C126}" type="datetimeFigureOut">
               <a:rPr lang="en-US" smtClean="0"/>
               <a:pPr/>
-              <a:t>10/24/2020</a:t>
+              <a:t>11/10/2020</a:t>
             </a:fld>
             <a:endParaRPr lang="en-US" dirty="0"/>
           </a:p>
@@ -2147,7 +2147,7 @@
             <a:fld id="{48A87A34-81AB-432B-8DAE-1953F412C126}" type="datetimeFigureOut">
               <a:rPr lang="en-US" smtClean="0"/>
               <a:pPr/>
-              <a:t>10/24/2020</a:t>
+              <a:t>11/10/2020</a:t>
             </a:fld>
             <a:endParaRPr lang="en-US" dirty="0"/>
           </a:p>
@@ -3001,7 +3001,7 @@
             <a:fld id="{48A87A34-81AB-432B-8DAE-1953F412C126}" type="datetimeFigureOut">
               <a:rPr lang="en-US" smtClean="0"/>
               <a:pPr/>
-              <a:t>10/24/2020</a:t>
+              <a:t>11/10/2020</a:t>
             </a:fld>
             <a:endParaRPr lang="en-US" dirty="0"/>
           </a:p>
@@ -3208,7 +3208,7 @@
             <a:fld id="{48A87A34-81AB-432B-8DAE-1953F412C126}" type="datetimeFigureOut">
               <a:rPr lang="en-US" smtClean="0"/>
               <a:pPr/>
-              <a:t>10/24/2020</a:t>
+              <a:t>11/10/2020</a:t>
             </a:fld>
             <a:endParaRPr lang="en-US" dirty="0"/>
           </a:p>
@@ -3424,7 +3424,7 @@
             <a:fld id="{48A87A34-81AB-432B-8DAE-1953F412C126}" type="datetimeFigureOut">
               <a:rPr lang="en-US" smtClean="0"/>
               <a:pPr/>
-              <a:t>10/24/2020</a:t>
+              <a:t>11/10/2020</a:t>
             </a:fld>
             <a:endParaRPr lang="en-US" dirty="0"/>
           </a:p>
@@ -3595,7 +3595,7 @@
           <a:p>
             <a:fld id="{48A87A34-81AB-432B-8DAE-1953F412C126}" type="datetimeFigureOut">
               <a:rPr lang="en-US" smtClean="0"/>
-              <a:t>10/24/2020</a:t>
+              <a:t>11/10/2020</a:t>
             </a:fld>
             <a:endParaRPr lang="en-US" dirty="0"/>
           </a:p>
@@ -3801,7 +3801,7 @@
             <a:fld id="{48A87A34-81AB-432B-8DAE-1953F412C126}" type="datetimeFigureOut">
               <a:rPr lang="en-US" smtClean="0"/>
               <a:pPr/>
-              <a:t>10/24/2020</a:t>
+              <a:t>11/10/2020</a:t>
             </a:fld>
             <a:endParaRPr lang="en-US" dirty="0"/>
           </a:p>
@@ -4082,7 +4082,7 @@
           <a:p>
             <a:fld id="{48A87A34-81AB-432B-8DAE-1953F412C126}" type="datetimeFigureOut">
               <a:rPr lang="en-US" smtClean="0"/>
-              <a:t>10/24/2020</a:t>
+              <a:t>11/10/2020</a:t>
             </a:fld>
             <a:endParaRPr lang="en-US" dirty="0"/>
           </a:p>
@@ -4350,7 +4350,7 @@
             <a:fld id="{48A87A34-81AB-432B-8DAE-1953F412C126}" type="datetimeFigureOut">
               <a:rPr lang="en-US" smtClean="0"/>
               <a:pPr/>
-              <a:t>10/24/2020</a:t>
+              <a:t>11/10/2020</a:t>
             </a:fld>
             <a:endParaRPr lang="en-US" dirty="0"/>
           </a:p>
@@ -4767,7 +4767,7 @@
             <a:fld id="{48A87A34-81AB-432B-8DAE-1953F412C126}" type="datetimeFigureOut">
               <a:rPr lang="en-US" smtClean="0"/>
               <a:pPr/>
-              <a:t>10/24/2020</a:t>
+              <a:t>11/10/2020</a:t>
             </a:fld>
             <a:endParaRPr lang="en-US" dirty="0"/>
           </a:p>
@@ -4916,7 +4916,7 @@
           <a:p>
             <a:fld id="{48A87A34-81AB-432B-8DAE-1953F412C126}" type="datetimeFigureOut">
               <a:rPr lang="en-US" smtClean="0"/>
-              <a:t>10/24/2020</a:t>
+              <a:t>11/10/2020</a:t>
             </a:fld>
             <a:endParaRPr lang="en-US" dirty="0"/>
           </a:p>
@@ -5041,7 +5041,7 @@
           <a:p>
             <a:fld id="{48A87A34-81AB-432B-8DAE-1953F412C126}" type="datetimeFigureOut">
               <a:rPr lang="en-US" smtClean="0"/>
-              <a:t>10/24/2020</a:t>
+              <a:t>11/10/2020</a:t>
             </a:fld>
             <a:endParaRPr lang="en-US" dirty="0"/>
           </a:p>
@@ -5321,7 +5321,7 @@
             <a:fld id="{48A87A34-81AB-432B-8DAE-1953F412C126}" type="datetimeFigureOut">
               <a:rPr lang="en-US" smtClean="0"/>
               <a:pPr/>
-              <a:t>10/24/2020</a:t>
+              <a:t>11/10/2020</a:t>
             </a:fld>
             <a:endParaRPr lang="en-US" dirty="0"/>
           </a:p>
@@ -5634,7 +5634,7 @@
           <a:p>
             <a:fld id="{48A87A34-81AB-432B-8DAE-1953F412C126}" type="datetimeFigureOut">
               <a:rPr lang="en-US" smtClean="0"/>
-              <a:t>10/24/2020</a:t>
+              <a:t>11/10/2020</a:t>
             </a:fld>
             <a:endParaRPr lang="en-US" dirty="0"/>
           </a:p>
@@ -5888,7 +5888,7 @@
             <a:fld id="{48A87A34-81AB-432B-8DAE-1953F412C126}" type="datetimeFigureOut">
               <a:rPr lang="en-US" smtClean="0"/>
               <a:pPr/>
-              <a:t>10/24/2020</a:t>
+              <a:t>11/10/2020</a:t>
             </a:fld>
             <a:endParaRPr lang="en-US" dirty="0"/>
           </a:p>
@@ -6339,7 +6339,7 @@
           <p:cNvPr id="9" name="Picture 8" descr="A close up of a flower&#10;&#10;Description automatically generated">
             <a:extLst>
               <a:ext uri="{FF2B5EF4-FFF2-40B4-BE49-F238E27FC236}">
-                <a16:creationId xmlns:a16="http://schemas.microsoft.com/office/drawing/2014/main" xmlns="" id="{C64352A9-4F48-4E22-8EA7-48BCFF692FC3}"/>
+                <a16:creationId xmlns="" xmlns:a16="http://schemas.microsoft.com/office/drawing/2014/main" id="{C64352A9-4F48-4E22-8EA7-48BCFF692FC3}"/>
               </a:ext>
             </a:extLst>
           </p:cNvPr>
@@ -6369,7 +6369,7 @@
           <p:cNvPr id="10" name="Content Placeholder 2">
             <a:extLst>
               <a:ext uri="{FF2B5EF4-FFF2-40B4-BE49-F238E27FC236}">
-                <a16:creationId xmlns:a16="http://schemas.microsoft.com/office/drawing/2014/main" xmlns="" id="{C0442AE5-99FF-4D45-A717-42F72F7BC74E}"/>
+                <a16:creationId xmlns="" xmlns:a16="http://schemas.microsoft.com/office/drawing/2014/main" id="{C0442AE5-99FF-4D45-A717-42F72F7BC74E}"/>
               </a:ext>
             </a:extLst>
           </p:cNvPr>
@@ -6397,40 +6397,28 @@
               <a:buNone/>
             </a:pPr>
             <a:r>
-              <a:rPr lang="en-US" sz="2800" b="1" dirty="0" err="1"/>
-              <a:t>Mr</a:t>
-            </a:r>
-            <a:r>
-              <a:rPr lang="en-US" sz="2800" b="1" dirty="0"/>
-              <a:t> </a:t>
+              <a:rPr lang="en-US" sz="2800" b="1" smtClean="0"/>
+              <a:t>Mr. </a:t>
             </a:r>
             <a:r>
               <a:rPr lang="en-US" sz="2800" b="1" dirty="0" smtClean="0"/>
-              <a:t>K. T. </a:t>
-            </a:r>
-            <a:r>
-              <a:rPr lang="en-US" sz="2800" b="1" dirty="0" err="1"/>
-              <a:t>Mammen</a:t>
-            </a:r>
-            <a:r>
-              <a:rPr lang="en-US" sz="2800" b="1" dirty="0"/>
-              <a:t> </a:t>
+              <a:t>P. V. Alexander </a:t>
+            </a:r>
+            <a:r>
+              <a:rPr lang="en-US" sz="2800" dirty="0" smtClean="0"/>
+              <a:t>(A010) </a:t>
             </a:r>
             <a:r>
               <a:rPr lang="en-US" sz="2800" dirty="0"/>
-              <a:t>(</a:t>
+              <a:t>father of </a:t>
             </a:r>
             <a:r>
               <a:rPr lang="en-US" sz="2800" dirty="0" smtClean="0"/>
-              <a:t>78yrs) </a:t>
-            </a:r>
-            <a:r>
-              <a:rPr lang="en-US" sz="2800" dirty="0"/>
-              <a:t>father of Mrs. Reena George(M045) </a:t>
+              <a:t>SHINU and SHINEY ALEXANDER was </a:t>
             </a:r>
             <a:r>
               <a:rPr lang="en-US" sz="2800" dirty="0" smtClean="0"/>
-              <a:t>was called </a:t>
+              <a:t>called </a:t>
             </a:r>
             <a:r>
               <a:rPr lang="en-US" sz="2800" dirty="0"/>
@@ -6438,7 +6426,15 @@
             </a:r>
             <a:r>
               <a:rPr lang="en-US" sz="2800" dirty="0" smtClean="0"/>
-              <a:t>on Oct 20</a:t>
+              <a:t>on </a:t>
+            </a:r>
+            <a:r>
+              <a:rPr lang="en-US" sz="2800" dirty="0" smtClean="0"/>
+              <a:t>NOV </a:t>
+            </a:r>
+            <a:r>
+              <a:rPr lang="en-US" sz="2800" dirty="0" smtClean="0"/>
+              <a:t>11</a:t>
             </a:r>
             <a:r>
               <a:rPr lang="en-US" sz="2800" baseline="30000" dirty="0" smtClean="0"/>
@@ -6449,54 +6445,45 @@
               <a:t>, 2020. </a:t>
             </a:r>
             <a:r>
-              <a:rPr lang="en-US" sz="2800" dirty="0" smtClean="0"/>
+              <a:rPr lang="en-US" sz="2800" strike="sngStrike" dirty="0" smtClean="0"/>
               <a:t>the </a:t>
             </a:r>
             <a:r>
-              <a:rPr lang="en-US" sz="2800" dirty="0"/>
+              <a:rPr lang="en-US" sz="2800" strike="sngStrike" dirty="0"/>
               <a:t>Funeral was held in </a:t>
             </a:r>
             <a:r>
-              <a:rPr lang="en-US" sz="2800" dirty="0" err="1" smtClean="0"/>
-              <a:t>Angadica</a:t>
-            </a:r>
-            <a:r>
-              <a:rPr lang="en-US" sz="2800" dirty="0" err="1" smtClean="0"/>
-              <a:t>l</a:t>
-            </a:r>
-            <a:r>
-              <a:rPr lang="en-US" sz="2800" dirty="0" smtClean="0"/>
+              <a:rPr lang="en-US" sz="2800" strike="sngStrike" dirty="0" err="1" smtClean="0"/>
+              <a:t>Angadical</a:t>
+            </a:r>
+            <a:r>
+              <a:rPr lang="en-US" sz="2800" strike="sngStrike" dirty="0" smtClean="0"/>
               <a:t> South, </a:t>
             </a:r>
             <a:r>
-              <a:rPr lang="en-US" sz="2800" dirty="0" err="1" smtClean="0"/>
+              <a:rPr lang="en-US" sz="2800" strike="sngStrike" dirty="0" err="1" smtClean="0"/>
               <a:t>Chengannur</a:t>
             </a:r>
             <a:r>
-              <a:rPr lang="en-US" sz="2800" dirty="0" smtClean="0"/>
+              <a:rPr lang="en-US" sz="2800" strike="sngStrike" dirty="0" smtClean="0"/>
               <a:t>, </a:t>
             </a:r>
             <a:r>
-              <a:rPr lang="en-US" sz="2800" dirty="0"/>
-              <a:t>Kerala on </a:t>
-            </a:r>
-            <a:r>
-              <a:rPr lang="en-US" sz="2800" dirty="0"/>
-              <a:t>Oct </a:t>
-            </a:r>
-            <a:r>
-              <a:rPr lang="en-US" sz="2800" dirty="0" smtClean="0"/>
+              <a:rPr lang="en-US" sz="2800" strike="sngStrike" dirty="0"/>
+              <a:t>Kerala on Oct </a:t>
+            </a:r>
+            <a:r>
+              <a:rPr lang="en-US" sz="2800" strike="sngStrike" dirty="0" smtClean="0"/>
               <a:t>24</a:t>
             </a:r>
             <a:r>
-              <a:rPr lang="en-US" sz="2800" baseline="30000" dirty="0" smtClean="0"/>
+              <a:rPr lang="en-US" sz="2800" strike="sngStrike" baseline="30000" dirty="0" smtClean="0"/>
               <a:t>th</a:t>
             </a:r>
             <a:r>
-              <a:rPr lang="en-US" sz="2800" dirty="0"/>
+              <a:rPr lang="en-US" sz="2800" strike="sngStrike" dirty="0"/>
               <a:t>, 2020. </a:t>
             </a:r>
-            <a:endParaRPr lang="en-US" sz="2800" dirty="0"/>
           </a:p>
           <a:p>
             <a:pPr marL="0" indent="0">
@@ -6514,7 +6501,7 @@
           <p:cNvPr id="11" name="Title 1">
             <a:extLst>
               <a:ext uri="{FF2B5EF4-FFF2-40B4-BE49-F238E27FC236}">
-                <a16:creationId xmlns:a16="http://schemas.microsoft.com/office/drawing/2014/main" xmlns="" id="{3F1D8B64-2330-4C65-B36A-4993E36D19E0}"/>
+                <a16:creationId xmlns="" xmlns:a16="http://schemas.microsoft.com/office/drawing/2014/main" id="{3F1D8B64-2330-4C65-B36A-4993E36D19E0}"/>
               </a:ext>
             </a:extLst>
           </p:cNvPr>

--- a/stosc_services/PPT/Obituary.pptx
+++ b/stosc_services/PPT/Obituary.pptx
@@ -283,7 +283,7 @@
           <a:p>
             <a:fld id="{48A87A34-81AB-432B-8DAE-1953F412C126}" type="datetimeFigureOut">
               <a:rPr lang="en-US" smtClean="0"/>
-              <a:t>11/10/2020</a:t>
+              <a:t>11/12/2020</a:t>
             </a:fld>
             <a:endParaRPr lang="en-US" dirty="0"/>
           </a:p>
@@ -596,7 +596,7 @@
             <a:fld id="{48A87A34-81AB-432B-8DAE-1953F412C126}" type="datetimeFigureOut">
               <a:rPr lang="en-US" smtClean="0"/>
               <a:pPr/>
-              <a:t>11/10/2020</a:t>
+              <a:t>11/12/2020</a:t>
             </a:fld>
             <a:endParaRPr lang="en-US" dirty="0"/>
           </a:p>
@@ -820,7 +820,7 @@
             <a:fld id="{48A87A34-81AB-432B-8DAE-1953F412C126}" type="datetimeFigureOut">
               <a:rPr lang="en-US" smtClean="0"/>
               <a:pPr/>
-              <a:t>11/10/2020</a:t>
+              <a:t>11/12/2020</a:t>
             </a:fld>
             <a:endParaRPr lang="en-US" dirty="0"/>
           </a:p>
@@ -1113,7 +1113,7 @@
             <a:fld id="{48A87A34-81AB-432B-8DAE-1953F412C126}" type="datetimeFigureOut">
               <a:rPr lang="en-US" smtClean="0"/>
               <a:pPr/>
-              <a:t>11/10/2020</a:t>
+              <a:t>11/12/2020</a:t>
             </a:fld>
             <a:endParaRPr lang="en-US" dirty="0"/>
           </a:p>
@@ -1569,7 +1569,7 @@
             <a:fld id="{48A87A34-81AB-432B-8DAE-1953F412C126}" type="datetimeFigureOut">
               <a:rPr lang="en-US" smtClean="0"/>
               <a:pPr/>
-              <a:t>11/10/2020</a:t>
+              <a:t>11/12/2020</a:t>
             </a:fld>
             <a:endParaRPr lang="en-US" dirty="0"/>
           </a:p>
@@ -2147,7 +2147,7 @@
             <a:fld id="{48A87A34-81AB-432B-8DAE-1953F412C126}" type="datetimeFigureOut">
               <a:rPr lang="en-US" smtClean="0"/>
               <a:pPr/>
-              <a:t>11/10/2020</a:t>
+              <a:t>11/12/2020</a:t>
             </a:fld>
             <a:endParaRPr lang="en-US" dirty="0"/>
           </a:p>
@@ -3001,7 +3001,7 @@
             <a:fld id="{48A87A34-81AB-432B-8DAE-1953F412C126}" type="datetimeFigureOut">
               <a:rPr lang="en-US" smtClean="0"/>
               <a:pPr/>
-              <a:t>11/10/2020</a:t>
+              <a:t>11/12/2020</a:t>
             </a:fld>
             <a:endParaRPr lang="en-US" dirty="0"/>
           </a:p>
@@ -3208,7 +3208,7 @@
             <a:fld id="{48A87A34-81AB-432B-8DAE-1953F412C126}" type="datetimeFigureOut">
               <a:rPr lang="en-US" smtClean="0"/>
               <a:pPr/>
-              <a:t>11/10/2020</a:t>
+              <a:t>11/12/2020</a:t>
             </a:fld>
             <a:endParaRPr lang="en-US" dirty="0"/>
           </a:p>
@@ -3424,7 +3424,7 @@
             <a:fld id="{48A87A34-81AB-432B-8DAE-1953F412C126}" type="datetimeFigureOut">
               <a:rPr lang="en-US" smtClean="0"/>
               <a:pPr/>
-              <a:t>11/10/2020</a:t>
+              <a:t>11/12/2020</a:t>
             </a:fld>
             <a:endParaRPr lang="en-US" dirty="0"/>
           </a:p>
@@ -3595,7 +3595,7 @@
           <a:p>
             <a:fld id="{48A87A34-81AB-432B-8DAE-1953F412C126}" type="datetimeFigureOut">
               <a:rPr lang="en-US" smtClean="0"/>
-              <a:t>11/10/2020</a:t>
+              <a:t>11/12/2020</a:t>
             </a:fld>
             <a:endParaRPr lang="en-US" dirty="0"/>
           </a:p>
@@ -3801,7 +3801,7 @@
             <a:fld id="{48A87A34-81AB-432B-8DAE-1953F412C126}" type="datetimeFigureOut">
               <a:rPr lang="en-US" smtClean="0"/>
               <a:pPr/>
-              <a:t>11/10/2020</a:t>
+              <a:t>11/12/2020</a:t>
             </a:fld>
             <a:endParaRPr lang="en-US" dirty="0"/>
           </a:p>
@@ -4082,7 +4082,7 @@
           <a:p>
             <a:fld id="{48A87A34-81AB-432B-8DAE-1953F412C126}" type="datetimeFigureOut">
               <a:rPr lang="en-US" smtClean="0"/>
-              <a:t>11/10/2020</a:t>
+              <a:t>11/12/2020</a:t>
             </a:fld>
             <a:endParaRPr lang="en-US" dirty="0"/>
           </a:p>
@@ -4350,7 +4350,7 @@
             <a:fld id="{48A87A34-81AB-432B-8DAE-1953F412C126}" type="datetimeFigureOut">
               <a:rPr lang="en-US" smtClean="0"/>
               <a:pPr/>
-              <a:t>11/10/2020</a:t>
+              <a:t>11/12/2020</a:t>
             </a:fld>
             <a:endParaRPr lang="en-US" dirty="0"/>
           </a:p>
@@ -4767,7 +4767,7 @@
             <a:fld id="{48A87A34-81AB-432B-8DAE-1953F412C126}" type="datetimeFigureOut">
               <a:rPr lang="en-US" smtClean="0"/>
               <a:pPr/>
-              <a:t>11/10/2020</a:t>
+              <a:t>11/12/2020</a:t>
             </a:fld>
             <a:endParaRPr lang="en-US" dirty="0"/>
           </a:p>
@@ -4916,7 +4916,7 @@
           <a:p>
             <a:fld id="{48A87A34-81AB-432B-8DAE-1953F412C126}" type="datetimeFigureOut">
               <a:rPr lang="en-US" smtClean="0"/>
-              <a:t>11/10/2020</a:t>
+              <a:t>11/12/2020</a:t>
             </a:fld>
             <a:endParaRPr lang="en-US" dirty="0"/>
           </a:p>
@@ -5041,7 +5041,7 @@
           <a:p>
             <a:fld id="{48A87A34-81AB-432B-8DAE-1953F412C126}" type="datetimeFigureOut">
               <a:rPr lang="en-US" smtClean="0"/>
-              <a:t>11/10/2020</a:t>
+              <a:t>11/12/2020</a:t>
             </a:fld>
             <a:endParaRPr lang="en-US" dirty="0"/>
           </a:p>
@@ -5321,7 +5321,7 @@
             <a:fld id="{48A87A34-81AB-432B-8DAE-1953F412C126}" type="datetimeFigureOut">
               <a:rPr lang="en-US" smtClean="0"/>
               <a:pPr/>
-              <a:t>11/10/2020</a:t>
+              <a:t>11/12/2020</a:t>
             </a:fld>
             <a:endParaRPr lang="en-US" dirty="0"/>
           </a:p>
@@ -5634,7 +5634,7 @@
           <a:p>
             <a:fld id="{48A87A34-81AB-432B-8DAE-1953F412C126}" type="datetimeFigureOut">
               <a:rPr lang="en-US" smtClean="0"/>
-              <a:t>11/10/2020</a:t>
+              <a:t>11/12/2020</a:t>
             </a:fld>
             <a:endParaRPr lang="en-US" dirty="0"/>
           </a:p>
@@ -5888,7 +5888,7 @@
             <a:fld id="{48A87A34-81AB-432B-8DAE-1953F412C126}" type="datetimeFigureOut">
               <a:rPr lang="en-US" smtClean="0"/>
               <a:pPr/>
-              <a:t>11/10/2020</a:t>
+              <a:t>11/12/2020</a:t>
             </a:fld>
             <a:endParaRPr lang="en-US" dirty="0"/>
           </a:p>
@@ -6334,12 +6334,99 @@
           <a:chExt cx="0" cy="0"/>
         </a:xfrm>
       </p:grpSpPr>
+      <p:sp>
+        <p:nvSpPr>
+          <p:cNvPr id="10" name="Content Placeholder 2">
+            <a:extLst>
+              <a:ext uri="{FF2B5EF4-FFF2-40B4-BE49-F238E27FC236}">
+                <a16:creationId xmlns:a16="http://schemas.microsoft.com/office/drawing/2014/main" id="{C0442AE5-99FF-4D45-A717-42F72F7BC74E}"/>
+              </a:ext>
+            </a:extLst>
+          </p:cNvPr>
+          <p:cNvSpPr>
+            <a:spLocks noGrp="1"/>
+          </p:cNvSpPr>
+          <p:nvPr>
+            <p:ph idx="1"/>
+          </p:nvPr>
+        </p:nvSpPr>
+        <p:spPr>
+          <a:xfrm>
+            <a:off x="4039340" y="1671766"/>
+            <a:ext cx="7762135" cy="4748083"/>
+          </a:xfrm>
+          <a:noFill/>
+        </p:spPr>
+        <p:txBody>
+          <a:bodyPr>
+            <a:normAutofit/>
+          </a:bodyPr>
+          <a:lstStyle/>
+          <a:p>
+            <a:pPr marL="0" indent="0">
+              <a:buNone/>
+            </a:pPr>
+            <a:r>
+              <a:rPr lang="en-US" sz="2800" b="1" dirty="0"/>
+              <a:t>Mr. P. V. Alexander </a:t>
+            </a:r>
+            <a:r>
+              <a:rPr lang="en-US" sz="2800" dirty="0"/>
+              <a:t>(A010) father of SHINU and SHINEY ALEXANDER was called to heavenly abode on NOV 11</a:t>
+            </a:r>
+            <a:r>
+              <a:rPr lang="en-US" sz="2800" baseline="30000" dirty="0"/>
+              <a:t>th</a:t>
+            </a:r>
+            <a:r>
+              <a:rPr lang="en-US" sz="2800" dirty="0"/>
+              <a:t>, 2020. The cathedral expresses its deepest condolences. May the departed soul rest in peace.</a:t>
+            </a:r>
+          </a:p>
+        </p:txBody>
+      </p:sp>
+      <p:sp>
+        <p:nvSpPr>
+          <p:cNvPr id="11" name="Title 1">
+            <a:extLst>
+              <a:ext uri="{FF2B5EF4-FFF2-40B4-BE49-F238E27FC236}">
+                <a16:creationId xmlns:a16="http://schemas.microsoft.com/office/drawing/2014/main" id="{3F1D8B64-2330-4C65-B36A-4993E36D19E0}"/>
+              </a:ext>
+            </a:extLst>
+          </p:cNvPr>
+          <p:cNvSpPr>
+            <a:spLocks noGrp="1"/>
+          </p:cNvSpPr>
+          <p:nvPr>
+            <p:ph type="title"/>
+          </p:nvPr>
+        </p:nvSpPr>
+        <p:spPr>
+          <a:xfrm>
+            <a:off x="4158570" y="313718"/>
+            <a:ext cx="5855416" cy="869624"/>
+          </a:xfrm>
+        </p:spPr>
+        <p:txBody>
+          <a:bodyPr>
+            <a:normAutofit/>
+          </a:bodyPr>
+          <a:lstStyle/>
+          <a:p>
+            <a:r>
+              <a:rPr lang="en-US" sz="4000" b="1" dirty="0"/>
+              <a:t>OBITUARY</a:t>
+            </a:r>
+            <a:endParaRPr lang="en-US" b="1" dirty="0"/>
+          </a:p>
+        </p:txBody>
+      </p:sp>
       <p:pic>
         <p:nvPicPr>
-          <p:cNvPr id="9" name="Picture 8" descr="A close up of a flower&#10;&#10;Description automatically generated">
+          <p:cNvPr id="3" name="Picture 2" descr="A person wearing a suit and tie&#10;&#10;Description automatically generated">
             <a:extLst>
               <a:ext uri="{FF2B5EF4-FFF2-40B4-BE49-F238E27FC236}">
-                <a16:creationId xmlns="" xmlns:a16="http://schemas.microsoft.com/office/drawing/2014/main" id="{C64352A9-4F48-4E22-8EA7-48BCFF692FC3}"/>
+                <a16:creationId xmlns:a16="http://schemas.microsoft.com/office/drawing/2014/main" id="{73EC426C-00DF-4E9C-8660-49FFA05C3970}"/>
               </a:ext>
             </a:extLst>
           </p:cNvPr>
@@ -6356,182 +6443,44 @@
         </p:blipFill>
         <p:spPr>
           <a:xfrm>
-            <a:off x="390525" y="2066772"/>
-            <a:ext cx="3345089" cy="3345089"/>
+            <a:off x="262103" y="313718"/>
+            <a:ext cx="2990998" cy="3419157"/>
           </a:xfrm>
           <a:prstGeom prst="rect">
             <a:avLst/>
           </a:prstGeom>
         </p:spPr>
       </p:pic>
-      <p:sp>
-        <p:nvSpPr>
-          <p:cNvPr id="10" name="Content Placeholder 2">
+      <p:pic>
+        <p:nvPicPr>
+          <p:cNvPr id="9" name="Picture 8" descr="A close up of a flower&#10;&#10;Description automatically generated">
             <a:extLst>
               <a:ext uri="{FF2B5EF4-FFF2-40B4-BE49-F238E27FC236}">
-                <a16:creationId xmlns="" xmlns:a16="http://schemas.microsoft.com/office/drawing/2014/main" id="{C0442AE5-99FF-4D45-A717-42F72F7BC74E}"/>
+                <a16:creationId xmlns:a16="http://schemas.microsoft.com/office/drawing/2014/main" id="{C64352A9-4F48-4E22-8EA7-48BCFF692FC3}"/>
               </a:ext>
             </a:extLst>
           </p:cNvPr>
-          <p:cNvSpPr>
-            <a:spLocks noGrp="1"/>
-          </p:cNvSpPr>
-          <p:nvPr>
-            <p:ph idx="1"/>
-          </p:nvPr>
-        </p:nvSpPr>
-        <p:spPr>
-          <a:xfrm>
-            <a:off x="4039340" y="1671766"/>
-            <a:ext cx="7762135" cy="4748083"/>
-          </a:xfrm>
-          <a:noFill/>
-        </p:spPr>
-        <p:txBody>
-          <a:bodyPr>
-            <a:normAutofit lnSpcReduction="10000"/>
-          </a:bodyPr>
-          <a:lstStyle/>
-          <a:p>
-            <a:pPr marL="0" indent="0">
-              <a:buNone/>
-            </a:pPr>
-            <a:r>
-              <a:rPr lang="en-US" sz="2800" b="1" smtClean="0"/>
-              <a:t>Mr. </a:t>
-            </a:r>
-            <a:r>
-              <a:rPr lang="en-US" sz="2800" b="1" dirty="0" smtClean="0"/>
-              <a:t>P. V. Alexander </a:t>
-            </a:r>
-            <a:r>
-              <a:rPr lang="en-US" sz="2800" dirty="0" smtClean="0"/>
-              <a:t>(A010) </a:t>
-            </a:r>
-            <a:r>
-              <a:rPr lang="en-US" sz="2800" dirty="0"/>
-              <a:t>father of </a:t>
-            </a:r>
-            <a:r>
-              <a:rPr lang="en-US" sz="2800" dirty="0" smtClean="0"/>
-              <a:t>SHINU and SHINEY ALEXANDER was </a:t>
-            </a:r>
-            <a:r>
-              <a:rPr lang="en-US" sz="2800" dirty="0" smtClean="0"/>
-              <a:t>called </a:t>
-            </a:r>
-            <a:r>
-              <a:rPr lang="en-US" sz="2800" dirty="0"/>
-              <a:t>to heavenly abode </a:t>
-            </a:r>
-            <a:r>
-              <a:rPr lang="en-US" sz="2800" dirty="0" smtClean="0"/>
-              <a:t>on </a:t>
-            </a:r>
-            <a:r>
-              <a:rPr lang="en-US" sz="2800" dirty="0" smtClean="0"/>
-              <a:t>NOV </a:t>
-            </a:r>
-            <a:r>
-              <a:rPr lang="en-US" sz="2800" dirty="0" smtClean="0"/>
-              <a:t>11</a:t>
-            </a:r>
-            <a:r>
-              <a:rPr lang="en-US" sz="2800" baseline="30000" dirty="0" smtClean="0"/>
-              <a:t>th</a:t>
-            </a:r>
-            <a:r>
-              <a:rPr lang="en-US" sz="2800" dirty="0" smtClean="0"/>
-              <a:t>, 2020. </a:t>
-            </a:r>
-            <a:r>
-              <a:rPr lang="en-US" sz="2800" strike="sngStrike" dirty="0" smtClean="0"/>
-              <a:t>the </a:t>
-            </a:r>
-            <a:r>
-              <a:rPr lang="en-US" sz="2800" strike="sngStrike" dirty="0"/>
-              <a:t>Funeral was held in </a:t>
-            </a:r>
-            <a:r>
-              <a:rPr lang="en-US" sz="2800" strike="sngStrike" dirty="0" err="1" smtClean="0"/>
-              <a:t>Angadical</a:t>
-            </a:r>
-            <a:r>
-              <a:rPr lang="en-US" sz="2800" strike="sngStrike" dirty="0" smtClean="0"/>
-              <a:t> South, </a:t>
-            </a:r>
-            <a:r>
-              <a:rPr lang="en-US" sz="2800" strike="sngStrike" dirty="0" err="1" smtClean="0"/>
-              <a:t>Chengannur</a:t>
-            </a:r>
-            <a:r>
-              <a:rPr lang="en-US" sz="2800" strike="sngStrike" dirty="0" smtClean="0"/>
-              <a:t>, </a:t>
-            </a:r>
-            <a:r>
-              <a:rPr lang="en-US" sz="2800" strike="sngStrike" dirty="0"/>
-              <a:t>Kerala on Oct </a:t>
-            </a:r>
-            <a:r>
-              <a:rPr lang="en-US" sz="2800" strike="sngStrike" dirty="0" smtClean="0"/>
-              <a:t>24</a:t>
-            </a:r>
-            <a:r>
-              <a:rPr lang="en-US" sz="2800" strike="sngStrike" baseline="30000" dirty="0" smtClean="0"/>
-              <a:t>th</a:t>
-            </a:r>
-            <a:r>
-              <a:rPr lang="en-US" sz="2800" strike="sngStrike" dirty="0"/>
-              <a:t>, 2020. </a:t>
-            </a:r>
-          </a:p>
-          <a:p>
-            <a:pPr marL="0" indent="0">
-              <a:buNone/>
-            </a:pPr>
-            <a:r>
-              <a:rPr lang="en-US" sz="2800" dirty="0"/>
-              <a:t>The cathedral expresses its deepest condolences. May the departed soul rest in peace.</a:t>
-            </a:r>
-          </a:p>
-        </p:txBody>
-      </p:sp>
-      <p:sp>
-        <p:nvSpPr>
-          <p:cNvPr id="11" name="Title 1">
-            <a:extLst>
-              <a:ext uri="{FF2B5EF4-FFF2-40B4-BE49-F238E27FC236}">
-                <a16:creationId xmlns="" xmlns:a16="http://schemas.microsoft.com/office/drawing/2014/main" id="{3F1D8B64-2330-4C65-B36A-4993E36D19E0}"/>
-              </a:ext>
-            </a:extLst>
-          </p:cNvPr>
-          <p:cNvSpPr>
-            <a:spLocks noGrp="1"/>
-          </p:cNvSpPr>
-          <p:nvPr>
-            <p:ph type="title"/>
-          </p:nvPr>
-        </p:nvSpPr>
-        <p:spPr>
-          <a:xfrm>
-            <a:off x="4158570" y="313718"/>
-            <a:ext cx="5855416" cy="869624"/>
-          </a:xfrm>
-        </p:spPr>
-        <p:txBody>
-          <a:bodyPr>
-            <a:normAutofit/>
-          </a:bodyPr>
-          <a:lstStyle/>
-          <a:p>
-            <a:r>
-              <a:rPr lang="en-US" sz="4000" b="1" dirty="0"/>
-              <a:t>OBITUARY</a:t>
-            </a:r>
-            <a:endParaRPr lang="en-US" b="1" dirty="0"/>
-          </a:p>
-        </p:txBody>
-      </p:sp>
+          <p:cNvPicPr>
+            <a:picLocks noChangeAspect="1"/>
+          </p:cNvPicPr>
+          <p:nvPr/>
+        </p:nvPicPr>
+        <p:blipFill>
+          <a:blip r:embed="rId3"/>
+          <a:stretch>
+            <a:fillRect/>
+          </a:stretch>
+        </p:blipFill>
+        <p:spPr>
+          <a:xfrm>
+            <a:off x="262103" y="3732875"/>
+            <a:ext cx="2990999" cy="2990999"/>
+          </a:xfrm>
+          <a:prstGeom prst="rect">
+            <a:avLst/>
+          </a:prstGeom>
+        </p:spPr>
+      </p:pic>
     </p:spTree>
     <p:extLst>
       <p:ext uri="{BB962C8B-B14F-4D97-AF65-F5344CB8AC3E}">

--- a/stosc_services/PPT/Obituary.pptx
+++ b/stosc_services/PPT/Obituary.pptx
@@ -6,6 +6,7 @@
   </p:sldMasterIdLst>
   <p:sldIdLst>
     <p:sldId id="260" r:id="rId2"/>
+    <p:sldId id="261" r:id="rId3"/>
   </p:sldIdLst>
   <p:sldSz cx="12192000" cy="6858000"/>
   <p:notesSz cx="6858000" cy="9144000"/>
@@ -6372,7 +6373,7 @@
             </a:r>
             <a:r>
               <a:rPr lang="en-US" sz="2800" dirty="0"/>
-              <a:t>(A010) father of SHINU and SHINEY ALEXANDER was called to heavenly abode on NOV 11</a:t>
+              <a:t>(A010) father of SHINU and SHINEY ALEXANDER was called to heavenly abode on NOV 10</a:t>
             </a:r>
             <a:r>
               <a:rPr lang="en-US" sz="2800" baseline="30000" dirty="0"/>
@@ -6380,7 +6381,33 @@
             </a:r>
             <a:r>
               <a:rPr lang="en-US" sz="2800" dirty="0"/>
-              <a:t>, 2020. The cathedral expresses its deepest condolences. May the departed soul rest in peace.</a:t>
+              <a:t>, 2020. </a:t>
+            </a:r>
+          </a:p>
+          <a:p>
+            <a:pPr marL="0" indent="0">
+              <a:buNone/>
+            </a:pPr>
+            <a:r>
+              <a:rPr lang="en-US" sz="2800" dirty="0"/>
+              <a:t>The funeral was HELD in Singapore on Nov 12</a:t>
+            </a:r>
+            <a:r>
+              <a:rPr lang="en-US" sz="2800" baseline="30000" dirty="0"/>
+              <a:t>th</a:t>
+            </a:r>
+            <a:r>
+              <a:rPr lang="en-US" sz="2800" dirty="0"/>
+              <a:t>, 2020.</a:t>
+            </a:r>
+          </a:p>
+          <a:p>
+            <a:pPr marL="0" indent="0">
+              <a:buNone/>
+            </a:pPr>
+            <a:r>
+              <a:rPr lang="en-US" sz="2800" dirty="0"/>
+              <a:t>The cathedral expresses its deepest condolences. May the departed soul rest in peace.</a:t>
             </a:r>
           </a:p>
         </p:txBody>
@@ -6485,6 +6512,199 @@
     <p:extLst>
       <p:ext uri="{BB962C8B-B14F-4D97-AF65-F5344CB8AC3E}">
         <p14:creationId xmlns:p14="http://schemas.microsoft.com/office/powerpoint/2010/main" val="2937066918"/>
+      </p:ext>
+    </p:extLst>
+  </p:cSld>
+  <p:clrMapOvr>
+    <a:masterClrMapping/>
+  </p:clrMapOvr>
+</p:sld>
+</file>
+
+<file path=ppt/slides/slide2.xml><?xml version="1.0" encoding="utf-8"?>
+<p:sld xmlns:a="http://schemas.openxmlformats.org/drawingml/2006/main" xmlns:r="http://schemas.openxmlformats.org/officeDocument/2006/relationships" xmlns:p="http://schemas.openxmlformats.org/presentationml/2006/main">
+  <p:cSld>
+    <p:spTree>
+      <p:nvGrpSpPr>
+        <p:cNvPr id="1" name=""/>
+        <p:cNvGrpSpPr/>
+        <p:nvPr/>
+      </p:nvGrpSpPr>
+      <p:grpSpPr>
+        <a:xfrm>
+          <a:off x="0" y="0"/>
+          <a:ext cx="0" cy="0"/>
+          <a:chOff x="0" y="0"/>
+          <a:chExt cx="0" cy="0"/>
+        </a:xfrm>
+      </p:grpSpPr>
+      <p:sp>
+        <p:nvSpPr>
+          <p:cNvPr id="10" name="Content Placeholder 2">
+            <a:extLst>
+              <a:ext uri="{FF2B5EF4-FFF2-40B4-BE49-F238E27FC236}">
+                <a16:creationId xmlns:a16="http://schemas.microsoft.com/office/drawing/2014/main" id="{C0442AE5-99FF-4D45-A717-42F72F7BC74E}"/>
+              </a:ext>
+            </a:extLst>
+          </p:cNvPr>
+          <p:cNvSpPr>
+            <a:spLocks noGrp="1"/>
+          </p:cNvSpPr>
+          <p:nvPr>
+            <p:ph idx="1"/>
+          </p:nvPr>
+        </p:nvSpPr>
+        <p:spPr>
+          <a:xfrm>
+            <a:off x="4039340" y="1671766"/>
+            <a:ext cx="7762135" cy="4748083"/>
+          </a:xfrm>
+          <a:noFill/>
+        </p:spPr>
+        <p:txBody>
+          <a:bodyPr>
+            <a:normAutofit/>
+          </a:bodyPr>
+          <a:lstStyle/>
+          <a:p>
+            <a:pPr marL="0" indent="0">
+              <a:buNone/>
+            </a:pPr>
+            <a:r>
+              <a:rPr lang="en-US" sz="2800" b="1" dirty="0"/>
+              <a:t>Mr. Mathew V Philip (88</a:t>
+            </a:r>
+            <a:r>
+              <a:rPr lang="en-US" sz="2800" dirty="0"/>
+              <a:t>), father of Usha Elizabeth Mathew (R006), was called to the heavenly abode, at </a:t>
+            </a:r>
+            <a:r>
+              <a:rPr lang="en-US" sz="2800" dirty="0" err="1"/>
+              <a:t>Kozhencherry</a:t>
+            </a:r>
+            <a:r>
+              <a:rPr lang="en-US" sz="2800" dirty="0"/>
+              <a:t> on Nov 10</a:t>
+            </a:r>
+            <a:r>
+              <a:rPr lang="en-US" sz="2800" baseline="30000" dirty="0"/>
+              <a:t>th</a:t>
+            </a:r>
+            <a:r>
+              <a:rPr lang="en-US" sz="2800" dirty="0"/>
+              <a:t>, 2020.</a:t>
+            </a:r>
+          </a:p>
+          <a:p>
+            <a:pPr marL="0" indent="0">
+              <a:buNone/>
+            </a:pPr>
+            <a:r>
+              <a:rPr lang="en-US" sz="2800" dirty="0"/>
+              <a:t>The cathedral expresses its deepest condolences. May the departed soul rest in peace.</a:t>
+            </a:r>
+          </a:p>
+        </p:txBody>
+      </p:sp>
+      <p:sp>
+        <p:nvSpPr>
+          <p:cNvPr id="11" name="Title 1">
+            <a:extLst>
+              <a:ext uri="{FF2B5EF4-FFF2-40B4-BE49-F238E27FC236}">
+                <a16:creationId xmlns:a16="http://schemas.microsoft.com/office/drawing/2014/main" id="{3F1D8B64-2330-4C65-B36A-4993E36D19E0}"/>
+              </a:ext>
+            </a:extLst>
+          </p:cNvPr>
+          <p:cNvSpPr>
+            <a:spLocks noGrp="1"/>
+          </p:cNvSpPr>
+          <p:nvPr>
+            <p:ph type="title"/>
+          </p:nvPr>
+        </p:nvSpPr>
+        <p:spPr>
+          <a:xfrm>
+            <a:off x="4158570" y="313718"/>
+            <a:ext cx="5855416" cy="869624"/>
+          </a:xfrm>
+        </p:spPr>
+        <p:txBody>
+          <a:bodyPr>
+            <a:normAutofit/>
+          </a:bodyPr>
+          <a:lstStyle/>
+          <a:p>
+            <a:r>
+              <a:rPr lang="en-US" sz="4000" b="1" dirty="0"/>
+              <a:t>OBITUARY</a:t>
+            </a:r>
+            <a:endParaRPr lang="en-US" b="1" dirty="0"/>
+          </a:p>
+        </p:txBody>
+      </p:sp>
+      <p:pic>
+        <p:nvPicPr>
+          <p:cNvPr id="9" name="Picture 8" descr="A close up of a flower&#10;&#10;Description automatically generated">
+            <a:extLst>
+              <a:ext uri="{FF2B5EF4-FFF2-40B4-BE49-F238E27FC236}">
+                <a16:creationId xmlns:a16="http://schemas.microsoft.com/office/drawing/2014/main" id="{C64352A9-4F48-4E22-8EA7-48BCFF692FC3}"/>
+              </a:ext>
+            </a:extLst>
+          </p:cNvPr>
+          <p:cNvPicPr>
+            <a:picLocks noChangeAspect="1"/>
+          </p:cNvPicPr>
+          <p:nvPr/>
+        </p:nvPicPr>
+        <p:blipFill>
+          <a:blip r:embed="rId2"/>
+          <a:stretch>
+            <a:fillRect/>
+          </a:stretch>
+        </p:blipFill>
+        <p:spPr>
+          <a:xfrm>
+            <a:off x="262103" y="3732875"/>
+            <a:ext cx="2990999" cy="2990999"/>
+          </a:xfrm>
+          <a:prstGeom prst="rect">
+            <a:avLst/>
+          </a:prstGeom>
+        </p:spPr>
+      </p:pic>
+      <p:pic>
+        <p:nvPicPr>
+          <p:cNvPr id="5" name="Picture 4" descr="A person looking at the camera&#10;&#10;Description automatically generated">
+            <a:extLst>
+              <a:ext uri="{FF2B5EF4-FFF2-40B4-BE49-F238E27FC236}">
+                <a16:creationId xmlns:a16="http://schemas.microsoft.com/office/drawing/2014/main" id="{5793D769-BE64-42C6-AA13-DDE42ED90376}"/>
+              </a:ext>
+            </a:extLst>
+          </p:cNvPr>
+          <p:cNvPicPr>
+            <a:picLocks noChangeAspect="1"/>
+          </p:cNvPicPr>
+          <p:nvPr/>
+        </p:nvPicPr>
+        <p:blipFill rotWithShape="1">
+          <a:blip r:embed="rId3"/>
+          <a:srcRect b="8326"/>
+          <a:stretch/>
+        </p:blipFill>
+        <p:spPr>
+          <a:xfrm>
+            <a:off x="390525" y="313718"/>
+            <a:ext cx="2738755" cy="3349139"/>
+          </a:xfrm>
+          <a:prstGeom prst="rect">
+            <a:avLst/>
+          </a:prstGeom>
+        </p:spPr>
+      </p:pic>
+    </p:spTree>
+    <p:extLst>
+      <p:ext uri="{BB962C8B-B14F-4D97-AF65-F5344CB8AC3E}">
+        <p14:creationId xmlns:p14="http://schemas.microsoft.com/office/powerpoint/2010/main" val="2888782481"/>
       </p:ext>
     </p:extLst>
   </p:cSld>

--- a/stosc_services/PPT/Obituary.pptx
+++ b/stosc_services/PPT/Obituary.pptx
@@ -284,7 +284,7 @@
           <a:p>
             <a:fld id="{48A87A34-81AB-432B-8DAE-1953F412C126}" type="datetimeFigureOut">
               <a:rPr lang="en-US" smtClean="0"/>
-              <a:t>11/12/2020</a:t>
+              <a:t>11/14/2020</a:t>
             </a:fld>
             <a:endParaRPr lang="en-US" dirty="0"/>
           </a:p>
@@ -597,7 +597,7 @@
             <a:fld id="{48A87A34-81AB-432B-8DAE-1953F412C126}" type="datetimeFigureOut">
               <a:rPr lang="en-US" smtClean="0"/>
               <a:pPr/>
-              <a:t>11/12/2020</a:t>
+              <a:t>11/14/2020</a:t>
             </a:fld>
             <a:endParaRPr lang="en-US" dirty="0"/>
           </a:p>
@@ -821,7 +821,7 @@
             <a:fld id="{48A87A34-81AB-432B-8DAE-1953F412C126}" type="datetimeFigureOut">
               <a:rPr lang="en-US" smtClean="0"/>
               <a:pPr/>
-              <a:t>11/12/2020</a:t>
+              <a:t>11/14/2020</a:t>
             </a:fld>
             <a:endParaRPr lang="en-US" dirty="0"/>
           </a:p>
@@ -1114,7 +1114,7 @@
             <a:fld id="{48A87A34-81AB-432B-8DAE-1953F412C126}" type="datetimeFigureOut">
               <a:rPr lang="en-US" smtClean="0"/>
               <a:pPr/>
-              <a:t>11/12/2020</a:t>
+              <a:t>11/14/2020</a:t>
             </a:fld>
             <a:endParaRPr lang="en-US" dirty="0"/>
           </a:p>
@@ -1570,7 +1570,7 @@
             <a:fld id="{48A87A34-81AB-432B-8DAE-1953F412C126}" type="datetimeFigureOut">
               <a:rPr lang="en-US" smtClean="0"/>
               <a:pPr/>
-              <a:t>11/12/2020</a:t>
+              <a:t>11/14/2020</a:t>
             </a:fld>
             <a:endParaRPr lang="en-US" dirty="0"/>
           </a:p>
@@ -2148,7 +2148,7 @@
             <a:fld id="{48A87A34-81AB-432B-8DAE-1953F412C126}" type="datetimeFigureOut">
               <a:rPr lang="en-US" smtClean="0"/>
               <a:pPr/>
-              <a:t>11/12/2020</a:t>
+              <a:t>11/14/2020</a:t>
             </a:fld>
             <a:endParaRPr lang="en-US" dirty="0"/>
           </a:p>
@@ -3002,7 +3002,7 @@
             <a:fld id="{48A87A34-81AB-432B-8DAE-1953F412C126}" type="datetimeFigureOut">
               <a:rPr lang="en-US" smtClean="0"/>
               <a:pPr/>
-              <a:t>11/12/2020</a:t>
+              <a:t>11/14/2020</a:t>
             </a:fld>
             <a:endParaRPr lang="en-US" dirty="0"/>
           </a:p>
@@ -3209,7 +3209,7 @@
             <a:fld id="{48A87A34-81AB-432B-8DAE-1953F412C126}" type="datetimeFigureOut">
               <a:rPr lang="en-US" smtClean="0"/>
               <a:pPr/>
-              <a:t>11/12/2020</a:t>
+              <a:t>11/14/2020</a:t>
             </a:fld>
             <a:endParaRPr lang="en-US" dirty="0"/>
           </a:p>
@@ -3425,7 +3425,7 @@
             <a:fld id="{48A87A34-81AB-432B-8DAE-1953F412C126}" type="datetimeFigureOut">
               <a:rPr lang="en-US" smtClean="0"/>
               <a:pPr/>
-              <a:t>11/12/2020</a:t>
+              <a:t>11/14/2020</a:t>
             </a:fld>
             <a:endParaRPr lang="en-US" dirty="0"/>
           </a:p>
@@ -3596,7 +3596,7 @@
           <a:p>
             <a:fld id="{48A87A34-81AB-432B-8DAE-1953F412C126}" type="datetimeFigureOut">
               <a:rPr lang="en-US" smtClean="0"/>
-              <a:t>11/12/2020</a:t>
+              <a:t>11/14/2020</a:t>
             </a:fld>
             <a:endParaRPr lang="en-US" dirty="0"/>
           </a:p>
@@ -3802,7 +3802,7 @@
             <a:fld id="{48A87A34-81AB-432B-8DAE-1953F412C126}" type="datetimeFigureOut">
               <a:rPr lang="en-US" smtClean="0"/>
               <a:pPr/>
-              <a:t>11/12/2020</a:t>
+              <a:t>11/14/2020</a:t>
             </a:fld>
             <a:endParaRPr lang="en-US" dirty="0"/>
           </a:p>
@@ -4083,7 +4083,7 @@
           <a:p>
             <a:fld id="{48A87A34-81AB-432B-8DAE-1953F412C126}" type="datetimeFigureOut">
               <a:rPr lang="en-US" smtClean="0"/>
-              <a:t>11/12/2020</a:t>
+              <a:t>11/14/2020</a:t>
             </a:fld>
             <a:endParaRPr lang="en-US" dirty="0"/>
           </a:p>
@@ -4351,7 +4351,7 @@
             <a:fld id="{48A87A34-81AB-432B-8DAE-1953F412C126}" type="datetimeFigureOut">
               <a:rPr lang="en-US" smtClean="0"/>
               <a:pPr/>
-              <a:t>11/12/2020</a:t>
+              <a:t>11/14/2020</a:t>
             </a:fld>
             <a:endParaRPr lang="en-US" dirty="0"/>
           </a:p>
@@ -4768,7 +4768,7 @@
             <a:fld id="{48A87A34-81AB-432B-8DAE-1953F412C126}" type="datetimeFigureOut">
               <a:rPr lang="en-US" smtClean="0"/>
               <a:pPr/>
-              <a:t>11/12/2020</a:t>
+              <a:t>11/14/2020</a:t>
             </a:fld>
             <a:endParaRPr lang="en-US" dirty="0"/>
           </a:p>
@@ -4917,7 +4917,7 @@
           <a:p>
             <a:fld id="{48A87A34-81AB-432B-8DAE-1953F412C126}" type="datetimeFigureOut">
               <a:rPr lang="en-US" smtClean="0"/>
-              <a:t>11/12/2020</a:t>
+              <a:t>11/14/2020</a:t>
             </a:fld>
             <a:endParaRPr lang="en-US" dirty="0"/>
           </a:p>
@@ -5042,7 +5042,7 @@
           <a:p>
             <a:fld id="{48A87A34-81AB-432B-8DAE-1953F412C126}" type="datetimeFigureOut">
               <a:rPr lang="en-US" smtClean="0"/>
-              <a:t>11/12/2020</a:t>
+              <a:t>11/14/2020</a:t>
             </a:fld>
             <a:endParaRPr lang="en-US" dirty="0"/>
           </a:p>
@@ -5322,7 +5322,7 @@
             <a:fld id="{48A87A34-81AB-432B-8DAE-1953F412C126}" type="datetimeFigureOut">
               <a:rPr lang="en-US" smtClean="0"/>
               <a:pPr/>
-              <a:t>11/12/2020</a:t>
+              <a:t>11/14/2020</a:t>
             </a:fld>
             <a:endParaRPr lang="en-US" dirty="0"/>
           </a:p>
@@ -5635,7 +5635,7 @@
           <a:p>
             <a:fld id="{48A87A34-81AB-432B-8DAE-1953F412C126}" type="datetimeFigureOut">
               <a:rPr lang="en-US" smtClean="0"/>
-              <a:t>11/12/2020</a:t>
+              <a:t>11/14/2020</a:t>
             </a:fld>
             <a:endParaRPr lang="en-US" dirty="0"/>
           </a:p>
@@ -5889,7 +5889,7 @@
             <a:fld id="{48A87A34-81AB-432B-8DAE-1953F412C126}" type="datetimeFigureOut">
               <a:rPr lang="en-US" smtClean="0"/>
               <a:pPr/>
-              <a:t>11/12/2020</a:t>
+              <a:t>11/14/2020</a:t>
             </a:fld>
             <a:endParaRPr lang="en-US" dirty="0"/>
           </a:p>
@@ -6592,6 +6592,14 @@
             </a:r>
             <a:r>
               <a:rPr lang="en-US" sz="2800" dirty="0"/>
+              <a:t>, 2020. The funeral was HELD on Nov 16</a:t>
+            </a:r>
+            <a:r>
+              <a:rPr lang="en-US" sz="2800" baseline="30000" dirty="0"/>
+              <a:t>th</a:t>
+            </a:r>
+            <a:r>
+              <a:rPr lang="en-US" sz="2800" dirty="0"/>
               <a:t>, 2020.</a:t>
             </a:r>
           </a:p>

--- a/stosc_services/PPT/Obituary.pptx
+++ b/stosc_services/PPT/Obituary.pptx
@@ -5,8 +5,10 @@
     <p:sldMasterId id="2147483699" r:id="rId1"/>
   </p:sldMasterIdLst>
   <p:sldIdLst>
-    <p:sldId id="260" r:id="rId2"/>
-    <p:sldId id="261" r:id="rId3"/>
+    <p:sldId id="261" r:id="rId2"/>
+    <p:sldId id="264" r:id="rId3"/>
+    <p:sldId id="262" r:id="rId4"/>
+    <p:sldId id="263" r:id="rId5"/>
   </p:sldIdLst>
   <p:sldSz cx="12192000" cy="6858000"/>
   <p:notesSz cx="6858000" cy="9144000"/>
@@ -284,7 +286,7 @@
           <a:p>
             <a:fld id="{48A87A34-81AB-432B-8DAE-1953F412C126}" type="datetimeFigureOut">
               <a:rPr lang="en-US" smtClean="0"/>
-              <a:t>11/14/2020</a:t>
+              <a:t>5/15/2021</a:t>
             </a:fld>
             <a:endParaRPr lang="en-US" dirty="0"/>
           </a:p>
@@ -597,7 +599,7 @@
             <a:fld id="{48A87A34-81AB-432B-8DAE-1953F412C126}" type="datetimeFigureOut">
               <a:rPr lang="en-US" smtClean="0"/>
               <a:pPr/>
-              <a:t>11/14/2020</a:t>
+              <a:t>5/15/2021</a:t>
             </a:fld>
             <a:endParaRPr lang="en-US" dirty="0"/>
           </a:p>
@@ -821,7 +823,7 @@
             <a:fld id="{48A87A34-81AB-432B-8DAE-1953F412C126}" type="datetimeFigureOut">
               <a:rPr lang="en-US" smtClean="0"/>
               <a:pPr/>
-              <a:t>11/14/2020</a:t>
+              <a:t>5/15/2021</a:t>
             </a:fld>
             <a:endParaRPr lang="en-US" dirty="0"/>
           </a:p>
@@ -1114,7 +1116,7 @@
             <a:fld id="{48A87A34-81AB-432B-8DAE-1953F412C126}" type="datetimeFigureOut">
               <a:rPr lang="en-US" smtClean="0"/>
               <a:pPr/>
-              <a:t>11/14/2020</a:t>
+              <a:t>5/15/2021</a:t>
             </a:fld>
             <a:endParaRPr lang="en-US" dirty="0"/>
           </a:p>
@@ -1570,7 +1572,7 @@
             <a:fld id="{48A87A34-81AB-432B-8DAE-1953F412C126}" type="datetimeFigureOut">
               <a:rPr lang="en-US" smtClean="0"/>
               <a:pPr/>
-              <a:t>11/14/2020</a:t>
+              <a:t>5/15/2021</a:t>
             </a:fld>
             <a:endParaRPr lang="en-US" dirty="0"/>
           </a:p>
@@ -2148,7 +2150,7 @@
             <a:fld id="{48A87A34-81AB-432B-8DAE-1953F412C126}" type="datetimeFigureOut">
               <a:rPr lang="en-US" smtClean="0"/>
               <a:pPr/>
-              <a:t>11/14/2020</a:t>
+              <a:t>5/15/2021</a:t>
             </a:fld>
             <a:endParaRPr lang="en-US" dirty="0"/>
           </a:p>
@@ -3002,7 +3004,7 @@
             <a:fld id="{48A87A34-81AB-432B-8DAE-1953F412C126}" type="datetimeFigureOut">
               <a:rPr lang="en-US" smtClean="0"/>
               <a:pPr/>
-              <a:t>11/14/2020</a:t>
+              <a:t>5/15/2021</a:t>
             </a:fld>
             <a:endParaRPr lang="en-US" dirty="0"/>
           </a:p>
@@ -3209,7 +3211,7 @@
             <a:fld id="{48A87A34-81AB-432B-8DAE-1953F412C126}" type="datetimeFigureOut">
               <a:rPr lang="en-US" smtClean="0"/>
               <a:pPr/>
-              <a:t>11/14/2020</a:t>
+              <a:t>5/15/2021</a:t>
             </a:fld>
             <a:endParaRPr lang="en-US" dirty="0"/>
           </a:p>
@@ -3425,7 +3427,7 @@
             <a:fld id="{48A87A34-81AB-432B-8DAE-1953F412C126}" type="datetimeFigureOut">
               <a:rPr lang="en-US" smtClean="0"/>
               <a:pPr/>
-              <a:t>11/14/2020</a:t>
+              <a:t>5/15/2021</a:t>
             </a:fld>
             <a:endParaRPr lang="en-US" dirty="0"/>
           </a:p>
@@ -3596,7 +3598,7 @@
           <a:p>
             <a:fld id="{48A87A34-81AB-432B-8DAE-1953F412C126}" type="datetimeFigureOut">
               <a:rPr lang="en-US" smtClean="0"/>
-              <a:t>11/14/2020</a:t>
+              <a:t>5/15/2021</a:t>
             </a:fld>
             <a:endParaRPr lang="en-US" dirty="0"/>
           </a:p>
@@ -3802,7 +3804,7 @@
             <a:fld id="{48A87A34-81AB-432B-8DAE-1953F412C126}" type="datetimeFigureOut">
               <a:rPr lang="en-US" smtClean="0"/>
               <a:pPr/>
-              <a:t>11/14/2020</a:t>
+              <a:t>5/15/2021</a:t>
             </a:fld>
             <a:endParaRPr lang="en-US" dirty="0"/>
           </a:p>
@@ -4083,7 +4085,7 @@
           <a:p>
             <a:fld id="{48A87A34-81AB-432B-8DAE-1953F412C126}" type="datetimeFigureOut">
               <a:rPr lang="en-US" smtClean="0"/>
-              <a:t>11/14/2020</a:t>
+              <a:t>5/15/2021</a:t>
             </a:fld>
             <a:endParaRPr lang="en-US" dirty="0"/>
           </a:p>
@@ -4351,7 +4353,7 @@
             <a:fld id="{48A87A34-81AB-432B-8DAE-1953F412C126}" type="datetimeFigureOut">
               <a:rPr lang="en-US" smtClean="0"/>
               <a:pPr/>
-              <a:t>11/14/2020</a:t>
+              <a:t>5/15/2021</a:t>
             </a:fld>
             <a:endParaRPr lang="en-US" dirty="0"/>
           </a:p>
@@ -4768,7 +4770,7 @@
             <a:fld id="{48A87A34-81AB-432B-8DAE-1953F412C126}" type="datetimeFigureOut">
               <a:rPr lang="en-US" smtClean="0"/>
               <a:pPr/>
-              <a:t>11/14/2020</a:t>
+              <a:t>5/15/2021</a:t>
             </a:fld>
             <a:endParaRPr lang="en-US" dirty="0"/>
           </a:p>
@@ -4917,7 +4919,7 @@
           <a:p>
             <a:fld id="{48A87A34-81AB-432B-8DAE-1953F412C126}" type="datetimeFigureOut">
               <a:rPr lang="en-US" smtClean="0"/>
-              <a:t>11/14/2020</a:t>
+              <a:t>5/15/2021</a:t>
             </a:fld>
             <a:endParaRPr lang="en-US" dirty="0"/>
           </a:p>
@@ -5042,7 +5044,7 @@
           <a:p>
             <a:fld id="{48A87A34-81AB-432B-8DAE-1953F412C126}" type="datetimeFigureOut">
               <a:rPr lang="en-US" smtClean="0"/>
-              <a:t>11/14/2020</a:t>
+              <a:t>5/15/2021</a:t>
             </a:fld>
             <a:endParaRPr lang="en-US" dirty="0"/>
           </a:p>
@@ -5322,7 +5324,7 @@
             <a:fld id="{48A87A34-81AB-432B-8DAE-1953F412C126}" type="datetimeFigureOut">
               <a:rPr lang="en-US" smtClean="0"/>
               <a:pPr/>
-              <a:t>11/14/2020</a:t>
+              <a:t>5/15/2021</a:t>
             </a:fld>
             <a:endParaRPr lang="en-US" dirty="0"/>
           </a:p>
@@ -5635,7 +5637,7 @@
           <a:p>
             <a:fld id="{48A87A34-81AB-432B-8DAE-1953F412C126}" type="datetimeFigureOut">
               <a:rPr lang="en-US" smtClean="0"/>
-              <a:t>11/14/2020</a:t>
+              <a:t>5/15/2021</a:t>
             </a:fld>
             <a:endParaRPr lang="en-US" dirty="0"/>
           </a:p>
@@ -5889,7 +5891,7 @@
             <a:fld id="{48A87A34-81AB-432B-8DAE-1953F412C126}" type="datetimeFigureOut">
               <a:rPr lang="en-US" smtClean="0"/>
               <a:pPr/>
-              <a:t>11/14/2020</a:t>
+              <a:t>5/15/2021</a:t>
             </a:fld>
             <a:endParaRPr lang="en-US" dirty="0"/>
           </a:p>
@@ -6321,6 +6323,26 @@
 <file path=ppt/slides/slide1.xml><?xml version="1.0" encoding="utf-8"?>
 <p:sld xmlns:a="http://schemas.openxmlformats.org/drawingml/2006/main" xmlns:r="http://schemas.openxmlformats.org/officeDocument/2006/relationships" xmlns:p="http://schemas.openxmlformats.org/presentationml/2006/main">
   <p:cSld>
+    <p:bg>
+      <p:bgPr>
+        <a:gradFill flip="none" rotWithShape="1">
+          <a:gsLst>
+            <a:gs pos="100000">
+              <a:schemeClr val="bg1">
+                <a:tint val="90000"/>
+                <a:lumMod val="110000"/>
+              </a:schemeClr>
+            </a:gs>
+            <a:gs pos="0">
+              <a:schemeClr val="tx1"/>
+            </a:gs>
+          </a:gsLst>
+          <a:lin ang="5400000" scaled="1"/>
+          <a:tileRect/>
+        </a:gradFill>
+        <a:effectLst/>
+      </p:bgPr>
+    </p:bg>
     <p:spTree>
       <p:nvGrpSpPr>
         <p:cNvPr id="1" name=""/>
@@ -6360,7 +6382,7 @@
         </p:spPr>
         <p:txBody>
           <a:bodyPr>
-            <a:normAutofit/>
+            <a:normAutofit lnSpcReduction="10000"/>
           </a:bodyPr>
           <a:lstStyle/>
           <a:p>
@@ -6369,11 +6391,35 @@
             </a:pPr>
             <a:r>
               <a:rPr lang="en-US" sz="2800" b="1" dirty="0"/>
-              <a:t>Mr. P. V. Alexander </a:t>
+              <a:t>Mrs. </a:t>
+            </a:r>
+            <a:r>
+              <a:rPr lang="en-US" sz="2800" b="1" dirty="0" err="1"/>
+              <a:t>Achamma</a:t>
+            </a:r>
+            <a:r>
+              <a:rPr lang="en-US" sz="2800" b="1" dirty="0"/>
+              <a:t> Varghese (86 </a:t>
+            </a:r>
+            <a:r>
+              <a:rPr lang="en-US" sz="2800" b="1" dirty="0" err="1"/>
+              <a:t>yrs</a:t>
+            </a:r>
+            <a:r>
+              <a:rPr lang="en-US" sz="2800" b="1" dirty="0"/>
+              <a:t>),</a:t>
             </a:r>
             <a:r>
               <a:rPr lang="en-US" sz="2800" dirty="0"/>
-              <a:t>(A010) father of SHINU and SHINEY ALEXANDER was called to heavenly abode on NOV 10</a:t>
+              <a:t> Mother of </a:t>
+            </a:r>
+            <a:r>
+              <a:rPr lang="en-US" sz="2800" b="1" dirty="0"/>
+              <a:t>Mrs. Sheela Reuben (R015) </a:t>
+            </a:r>
+            <a:r>
+              <a:rPr lang="en-US" sz="2800" dirty="0"/>
+              <a:t>was called to Heavenly Abode on May 6</a:t>
             </a:r>
             <a:r>
               <a:rPr lang="en-US" sz="2800" baseline="30000" dirty="0"/>
@@ -6381,16 +6427,7 @@
             </a:r>
             <a:r>
               <a:rPr lang="en-US" sz="2800" dirty="0"/>
-              <a:t>, 2020. </a:t>
-            </a:r>
-          </a:p>
-          <a:p>
-            <a:pPr marL="0" indent="0">
-              <a:buNone/>
-            </a:pPr>
-            <a:r>
-              <a:rPr lang="en-US" sz="2800" dirty="0"/>
-              <a:t>The funeral was HELD in Singapore on Nov 12</a:t>
+              <a:t>. The funeral WAS held at St. Gregorius Syrian Cathedral, Bangalore at 1130 IST on May 7</a:t>
             </a:r>
             <a:r>
               <a:rPr lang="en-US" sz="2800" baseline="30000" dirty="0"/>
@@ -6398,7 +6435,7 @@
             </a:r>
             <a:r>
               <a:rPr lang="en-US" sz="2800" dirty="0"/>
-              <a:t>, 2020.</a:t>
+              <a:t>. </a:t>
             </a:r>
           </a:p>
           <a:p>
@@ -6407,7 +6444,7 @@
             </a:pPr>
             <a:r>
               <a:rPr lang="en-US" sz="2800" dirty="0"/>
-              <a:t>The cathedral expresses its deepest condolences. May the departed soul rest in peace.</a:t>
+              <a:t>May Her Soul find Solace with GOD &amp; Rest In Peace. We, the Cathedral express our Heartfelt Condolences &amp; Praying for the Bereaved Family.</a:t>
             </a:r>
           </a:p>
         </p:txBody>
@@ -6448,36 +6485,6 @@
           </a:p>
         </p:txBody>
       </p:sp>
-      <p:pic>
-        <p:nvPicPr>
-          <p:cNvPr id="3" name="Picture 2" descr="A person wearing a suit and tie&#10;&#10;Description automatically generated">
-            <a:extLst>
-              <a:ext uri="{FF2B5EF4-FFF2-40B4-BE49-F238E27FC236}">
-                <a16:creationId xmlns:a16="http://schemas.microsoft.com/office/drawing/2014/main" id="{73EC426C-00DF-4E9C-8660-49FFA05C3970}"/>
-              </a:ext>
-            </a:extLst>
-          </p:cNvPr>
-          <p:cNvPicPr>
-            <a:picLocks noChangeAspect="1"/>
-          </p:cNvPicPr>
-          <p:nvPr/>
-        </p:nvPicPr>
-        <p:blipFill>
-          <a:blip r:embed="rId2"/>
-          <a:stretch>
-            <a:fillRect/>
-          </a:stretch>
-        </p:blipFill>
-        <p:spPr>
-          <a:xfrm>
-            <a:off x="262103" y="313718"/>
-            <a:ext cx="2990998" cy="3419157"/>
-          </a:xfrm>
-          <a:prstGeom prst="rect">
-            <a:avLst/>
-          </a:prstGeom>
-        </p:spPr>
-      </p:pic>
       <p:pic>
         <p:nvPicPr>
           <p:cNvPr id="9" name="Picture 8" descr="A close up of a flower&#10;&#10;Description automatically generated">
@@ -6493,7 +6500,7 @@
           <p:nvPr/>
         </p:nvPicPr>
         <p:blipFill>
-          <a:blip r:embed="rId3"/>
+          <a:blip r:embed="rId2"/>
           <a:stretch>
             <a:fillRect/>
           </a:stretch>
@@ -6508,10 +6515,46 @@
           </a:prstGeom>
         </p:spPr>
       </p:pic>
+      <p:pic>
+        <p:nvPicPr>
+          <p:cNvPr id="5" name="Picture 4">
+            <a:extLst>
+              <a:ext uri="{FF2B5EF4-FFF2-40B4-BE49-F238E27FC236}">
+                <a16:creationId xmlns:a16="http://schemas.microsoft.com/office/drawing/2014/main" id="{3EEDF2E7-D639-4513-96B6-DF35DD39AAB9}"/>
+              </a:ext>
+            </a:extLst>
+          </p:cNvPr>
+          <p:cNvPicPr>
+            <a:picLocks noChangeAspect="1"/>
+          </p:cNvPicPr>
+          <p:nvPr/>
+        </p:nvPicPr>
+        <p:blipFill>
+          <a:blip r:embed="rId3">
+            <a:extLst>
+              <a:ext uri="{28A0092B-C50C-407E-A947-70E740481C1C}">
+                <a14:useLocalDpi xmlns:a14="http://schemas.microsoft.com/office/drawing/2010/main" val="0"/>
+              </a:ext>
+            </a:extLst>
+          </a:blip>
+          <a:stretch>
+            <a:fillRect/>
+          </a:stretch>
+        </p:blipFill>
+        <p:spPr>
+          <a:xfrm>
+            <a:off x="668695" y="760466"/>
+            <a:ext cx="2098750" cy="2492266"/>
+          </a:xfrm>
+          <a:prstGeom prst="rect">
+            <a:avLst/>
+          </a:prstGeom>
+        </p:spPr>
+      </p:pic>
     </p:spTree>
     <p:extLst>
       <p:ext uri="{BB962C8B-B14F-4D97-AF65-F5344CB8AC3E}">
-        <p14:creationId xmlns:p14="http://schemas.microsoft.com/office/powerpoint/2010/main" val="2937066918"/>
+        <p14:creationId xmlns:p14="http://schemas.microsoft.com/office/powerpoint/2010/main" val="2888782481"/>
       </p:ext>
     </p:extLst>
   </p:cSld>
@@ -6571,36 +6614,40 @@
               <a:buNone/>
             </a:pPr>
             <a:r>
+              <a:rPr lang="en-US" sz="2800" b="1" dirty="0" err="1"/>
+              <a:t>Mr</a:t>
+            </a:r>
+            <a:r>
               <a:rPr lang="en-US" sz="2800" b="1" dirty="0"/>
-              <a:t>Mr. Mathew V Philip (88</a:t>
+              <a:t> Varghese Francis</a:t>
             </a:r>
             <a:r>
               <a:rPr lang="en-US" sz="2800" dirty="0"/>
-              <a:t>), father of Usha Elizabeth Mathew (R006), was called to the heavenly abode, at </a:t>
+              <a:t> (68 </a:t>
             </a:r>
             <a:r>
               <a:rPr lang="en-US" sz="2800" dirty="0" err="1"/>
-              <a:t>Kozhencherry</a:t>
+              <a:t>yrs</a:t>
             </a:r>
             <a:r>
               <a:rPr lang="en-US" sz="2800" dirty="0"/>
-              <a:t> on Nov 10</a:t>
-            </a:r>
-            <a:r>
-              <a:rPr lang="en-US" sz="2800" baseline="30000" dirty="0"/>
-              <a:t>th</a:t>
+              <a:t>)</a:t>
+            </a:r>
+            <a:r>
+              <a:rPr lang="en-US" sz="2800" b="1" dirty="0"/>
+              <a:t>, </a:t>
             </a:r>
             <a:r>
               <a:rPr lang="en-US" sz="2800" dirty="0"/>
-              <a:t>, 2020. The funeral was HELD on Nov 16</a:t>
-            </a:r>
-            <a:r>
-              <a:rPr lang="en-US" sz="2800" baseline="30000" dirty="0"/>
-              <a:t>th</a:t>
+              <a:t>Father of </a:t>
+            </a:r>
+            <a:r>
+              <a:rPr lang="en-US" sz="2800" b="1" dirty="0"/>
+              <a:t>Mrs. Minu Naveen (N004)</a:t>
             </a:r>
             <a:r>
               <a:rPr lang="en-US" sz="2800" dirty="0"/>
-              <a:t>, 2020.</a:t>
+              <a:t> was called to Heavenly Abode at 12:45AM Today at Bangalore.</a:t>
             </a:r>
           </a:p>
           <a:p>
@@ -6609,7 +6656,7 @@
             </a:pPr>
             <a:r>
               <a:rPr lang="en-US" sz="2800" dirty="0"/>
-              <a:t>The cathedral expresses its deepest condolences. May the departed soul rest in peace.</a:t>
+              <a:t>May HIS Soul find Solace with GOD &amp; Rest In Peace. We, the Cathedral express our Heartfelt Condolences &amp; Praying for the Bereaved Family.</a:t>
             </a:r>
           </a:p>
         </p:txBody>
@@ -6680,12 +6727,216 @@
           </a:prstGeom>
         </p:spPr>
       </p:pic>
+    </p:spTree>
+    <p:extLst>
+      <p:ext uri="{BB962C8B-B14F-4D97-AF65-F5344CB8AC3E}">
+        <p14:creationId xmlns:p14="http://schemas.microsoft.com/office/powerpoint/2010/main" val="2253466380"/>
+      </p:ext>
+    </p:extLst>
+  </p:cSld>
+  <p:clrMapOvr>
+    <a:masterClrMapping/>
+  </p:clrMapOvr>
+</p:sld>
+</file>
+
+<file path=ppt/slides/slide3.xml><?xml version="1.0" encoding="utf-8"?>
+<p:sld xmlns:a="http://schemas.openxmlformats.org/drawingml/2006/main" xmlns:r="http://schemas.openxmlformats.org/officeDocument/2006/relationships" xmlns:p="http://schemas.openxmlformats.org/presentationml/2006/main">
+  <p:cSld>
+    <p:bg>
+      <p:bgPr>
+        <a:gradFill flip="none" rotWithShape="1">
+          <a:gsLst>
+            <a:gs pos="100000">
+              <a:schemeClr val="bg1">
+                <a:tint val="90000"/>
+                <a:lumMod val="110000"/>
+              </a:schemeClr>
+            </a:gs>
+            <a:gs pos="0">
+              <a:schemeClr val="tx1"/>
+            </a:gs>
+          </a:gsLst>
+          <a:lin ang="5400000" scaled="1"/>
+          <a:tileRect/>
+        </a:gradFill>
+        <a:effectLst/>
+      </p:bgPr>
+    </p:bg>
+    <p:spTree>
+      <p:nvGrpSpPr>
+        <p:cNvPr id="1" name=""/>
+        <p:cNvGrpSpPr/>
+        <p:nvPr/>
+      </p:nvGrpSpPr>
+      <p:grpSpPr>
+        <a:xfrm>
+          <a:off x="0" y="0"/>
+          <a:ext cx="0" cy="0"/>
+          <a:chOff x="0" y="0"/>
+          <a:chExt cx="0" cy="0"/>
+        </a:xfrm>
+      </p:grpSpPr>
+      <p:sp>
+        <p:nvSpPr>
+          <p:cNvPr id="11" name="Title 1">
+            <a:extLst>
+              <a:ext uri="{FF2B5EF4-FFF2-40B4-BE49-F238E27FC236}">
+                <a16:creationId xmlns:a16="http://schemas.microsoft.com/office/drawing/2014/main" id="{3F1D8B64-2330-4C65-B36A-4993E36D19E0}"/>
+              </a:ext>
+            </a:extLst>
+          </p:cNvPr>
+          <p:cNvSpPr>
+            <a:spLocks noGrp="1"/>
+          </p:cNvSpPr>
+          <p:nvPr>
+            <p:ph type="title"/>
+          </p:nvPr>
+        </p:nvSpPr>
+        <p:spPr>
+          <a:xfrm>
+            <a:off x="4158570" y="313718"/>
+            <a:ext cx="5855416" cy="869624"/>
+          </a:xfrm>
+        </p:spPr>
+        <p:txBody>
+          <a:bodyPr>
+            <a:normAutofit/>
+          </a:bodyPr>
+          <a:lstStyle/>
+          <a:p>
+            <a:r>
+              <a:rPr lang="en-US" sz="4000" b="1" dirty="0"/>
+              <a:t>OBITUARY</a:t>
+            </a:r>
+            <a:endParaRPr lang="en-US" b="1" dirty="0"/>
+          </a:p>
+        </p:txBody>
+      </p:sp>
+      <p:sp>
+        <p:nvSpPr>
+          <p:cNvPr id="10" name="Content Placeholder 2">
+            <a:extLst>
+              <a:ext uri="{FF2B5EF4-FFF2-40B4-BE49-F238E27FC236}">
+                <a16:creationId xmlns:a16="http://schemas.microsoft.com/office/drawing/2014/main" id="{C0442AE5-99FF-4D45-A717-42F72F7BC74E}"/>
+              </a:ext>
+            </a:extLst>
+          </p:cNvPr>
+          <p:cNvSpPr>
+            <a:spLocks noGrp="1"/>
+          </p:cNvSpPr>
+          <p:nvPr>
+            <p:ph idx="1"/>
+          </p:nvPr>
+        </p:nvSpPr>
+        <p:spPr>
+          <a:xfrm>
+            <a:off x="4039340" y="1671766"/>
+            <a:ext cx="7762135" cy="4748083"/>
+          </a:xfrm>
+          <a:noFill/>
+        </p:spPr>
+        <p:txBody>
+          <a:bodyPr>
+            <a:normAutofit/>
+          </a:bodyPr>
+          <a:lstStyle/>
+          <a:p>
+            <a:pPr marL="0" indent="0">
+              <a:buNone/>
+            </a:pPr>
+            <a:r>
+              <a:rPr lang="en-US" sz="2800" b="1" dirty="0"/>
+              <a:t>Mr. Josey Abraham (83 </a:t>
+            </a:r>
+            <a:r>
+              <a:rPr lang="en-US" sz="2800" b="1" dirty="0" err="1"/>
+              <a:t>yrs</a:t>
+            </a:r>
+            <a:r>
+              <a:rPr lang="en-US" sz="2800" b="1" dirty="0"/>
+              <a:t>) </a:t>
+            </a:r>
+            <a:r>
+              <a:rPr lang="en-US" sz="2800" dirty="0"/>
+              <a:t>father of </a:t>
+            </a:r>
+            <a:r>
+              <a:rPr lang="en-US" sz="2800" b="1" dirty="0" err="1"/>
+              <a:t>Mrs</a:t>
+            </a:r>
+            <a:r>
+              <a:rPr lang="en-US" sz="2800" b="1" dirty="0"/>
+              <a:t> Susan Markose (M029) </a:t>
+            </a:r>
+            <a:r>
+              <a:rPr lang="en-US" sz="2800" dirty="0"/>
+              <a:t>was</a:t>
+            </a:r>
+            <a:r>
+              <a:rPr lang="en-US" sz="2800" b="1" dirty="0"/>
+              <a:t> </a:t>
+            </a:r>
+            <a:r>
+              <a:rPr lang="en-US" sz="2800" dirty="0"/>
+              <a:t>called to heavenly abode on May 8</a:t>
+            </a:r>
+            <a:r>
+              <a:rPr lang="en-US" sz="2800" baseline="30000" dirty="0"/>
+              <a:t>th</a:t>
+            </a:r>
+            <a:r>
+              <a:rPr lang="en-US" sz="2800" dirty="0"/>
+              <a:t>. The Funeral will be held today at Bangalore. </a:t>
+            </a:r>
+          </a:p>
+          <a:p>
+            <a:pPr marL="0" indent="0">
+              <a:buNone/>
+            </a:pPr>
+            <a:r>
+              <a:rPr lang="en-US" sz="2800" dirty="0"/>
+              <a:t>THE Cathedral expresses our heartfelt condolences. May the departed soul rest in peace.  </a:t>
+            </a:r>
+          </a:p>
+        </p:txBody>
+      </p:sp>
       <p:pic>
         <p:nvPicPr>
-          <p:cNvPr id="5" name="Picture 4" descr="A person looking at the camera&#10;&#10;Description automatically generated">
+          <p:cNvPr id="9" name="Picture 8" descr="A close up of a flower&#10;&#10;Description automatically generated">
             <a:extLst>
               <a:ext uri="{FF2B5EF4-FFF2-40B4-BE49-F238E27FC236}">
-                <a16:creationId xmlns:a16="http://schemas.microsoft.com/office/drawing/2014/main" id="{5793D769-BE64-42C6-AA13-DDE42ED90376}"/>
+                <a16:creationId xmlns:a16="http://schemas.microsoft.com/office/drawing/2014/main" id="{C64352A9-4F48-4E22-8EA7-48BCFF692FC3}"/>
+              </a:ext>
+            </a:extLst>
+          </p:cNvPr>
+          <p:cNvPicPr>
+            <a:picLocks noChangeAspect="1"/>
+          </p:cNvPicPr>
+          <p:nvPr/>
+        </p:nvPicPr>
+        <p:blipFill>
+          <a:blip r:embed="rId3"/>
+          <a:stretch>
+            <a:fillRect/>
+          </a:stretch>
+        </p:blipFill>
+        <p:spPr>
+          <a:xfrm>
+            <a:off x="262103" y="3732875"/>
+            <a:ext cx="2990999" cy="2990999"/>
+          </a:xfrm>
+          <a:prstGeom prst="rect">
+            <a:avLst/>
+          </a:prstGeom>
+        </p:spPr>
+      </p:pic>
+      <p:pic>
+        <p:nvPicPr>
+          <p:cNvPr id="6" name="Picture 5">
+            <a:extLst>
+              <a:ext uri="{FF2B5EF4-FFF2-40B4-BE49-F238E27FC236}">
+                <a16:creationId xmlns:a16="http://schemas.microsoft.com/office/drawing/2014/main" id="{3EEDF2E7-D639-4513-96B6-DF35DD39AAB9}"/>
               </a:ext>
             </a:extLst>
           </p:cNvPr>
@@ -6695,14 +6946,14 @@
           <p:nvPr/>
         </p:nvPicPr>
         <p:blipFill rotWithShape="1">
-          <a:blip r:embed="rId3"/>
-          <a:srcRect b="8326"/>
+          <a:blip r:embed="rId4"/>
+          <a:srcRect l="12193" t="7759" r="12779" b="38359"/>
           <a:stretch/>
         </p:blipFill>
         <p:spPr>
           <a:xfrm>
-            <a:off x="390525" y="313718"/>
-            <a:ext cx="2738755" cy="3349139"/>
+            <a:off x="563417" y="584199"/>
+            <a:ext cx="2309307" cy="2844801"/>
           </a:xfrm>
           <a:prstGeom prst="rect">
             <a:avLst/>
@@ -6712,12 +6963,248 @@
     </p:spTree>
     <p:extLst>
       <p:ext uri="{BB962C8B-B14F-4D97-AF65-F5344CB8AC3E}">
-        <p14:creationId xmlns:p14="http://schemas.microsoft.com/office/powerpoint/2010/main" val="2888782481"/>
+        <p14:creationId xmlns:p14="http://schemas.microsoft.com/office/powerpoint/2010/main" val="1450855107"/>
       </p:ext>
     </p:extLst>
   </p:cSld>
   <p:clrMapOvr>
-    <a:masterClrMapping/>
+    <a:overrideClrMapping bg1="lt1" tx1="dk1" bg2="lt2" tx2="dk2" accent1="accent1" accent2="accent2" accent3="accent3" accent4="accent4" accent5="accent5" accent6="accent6" hlink="hlink" folHlink="folHlink"/>
+  </p:clrMapOvr>
+</p:sld>
+</file>
+
+<file path=ppt/slides/slide4.xml><?xml version="1.0" encoding="utf-8"?>
+<p:sld xmlns:a="http://schemas.openxmlformats.org/drawingml/2006/main" xmlns:r="http://schemas.openxmlformats.org/officeDocument/2006/relationships" xmlns:p="http://schemas.openxmlformats.org/presentationml/2006/main">
+  <p:cSld>
+    <p:bg>
+      <p:bgPr>
+        <a:gradFill flip="none" rotWithShape="1">
+          <a:gsLst>
+            <a:gs pos="100000">
+              <a:schemeClr val="bg1">
+                <a:tint val="90000"/>
+                <a:lumMod val="110000"/>
+              </a:schemeClr>
+            </a:gs>
+            <a:gs pos="0">
+              <a:schemeClr val="tx1"/>
+            </a:gs>
+          </a:gsLst>
+          <a:lin ang="5400000" scaled="1"/>
+          <a:tileRect/>
+        </a:gradFill>
+        <a:effectLst/>
+      </p:bgPr>
+    </p:bg>
+    <p:spTree>
+      <p:nvGrpSpPr>
+        <p:cNvPr id="1" name=""/>
+        <p:cNvGrpSpPr/>
+        <p:nvPr/>
+      </p:nvGrpSpPr>
+      <p:grpSpPr>
+        <a:xfrm>
+          <a:off x="0" y="0"/>
+          <a:ext cx="0" cy="0"/>
+          <a:chOff x="0" y="0"/>
+          <a:chExt cx="0" cy="0"/>
+        </a:xfrm>
+      </p:grpSpPr>
+      <p:sp>
+        <p:nvSpPr>
+          <p:cNvPr id="11" name="Title 1">
+            <a:extLst>
+              <a:ext uri="{FF2B5EF4-FFF2-40B4-BE49-F238E27FC236}">
+                <a16:creationId xmlns:a16="http://schemas.microsoft.com/office/drawing/2014/main" id="{3F1D8B64-2330-4C65-B36A-4993E36D19E0}"/>
+              </a:ext>
+            </a:extLst>
+          </p:cNvPr>
+          <p:cNvSpPr>
+            <a:spLocks noGrp="1"/>
+          </p:cNvSpPr>
+          <p:nvPr>
+            <p:ph type="title"/>
+          </p:nvPr>
+        </p:nvSpPr>
+        <p:spPr>
+          <a:xfrm>
+            <a:off x="4158570" y="313718"/>
+            <a:ext cx="5855416" cy="869624"/>
+          </a:xfrm>
+        </p:spPr>
+        <p:txBody>
+          <a:bodyPr>
+            <a:normAutofit/>
+          </a:bodyPr>
+          <a:lstStyle/>
+          <a:p>
+            <a:r>
+              <a:rPr lang="en-US" sz="4000" b="1" dirty="0"/>
+              <a:t>OBITUARY</a:t>
+            </a:r>
+            <a:endParaRPr lang="en-US" b="1" dirty="0"/>
+          </a:p>
+        </p:txBody>
+      </p:sp>
+      <p:sp>
+        <p:nvSpPr>
+          <p:cNvPr id="10" name="Content Placeholder 2">
+            <a:extLst>
+              <a:ext uri="{FF2B5EF4-FFF2-40B4-BE49-F238E27FC236}">
+                <a16:creationId xmlns:a16="http://schemas.microsoft.com/office/drawing/2014/main" id="{C0442AE5-99FF-4D45-A717-42F72F7BC74E}"/>
+              </a:ext>
+            </a:extLst>
+          </p:cNvPr>
+          <p:cNvSpPr>
+            <a:spLocks noGrp="1"/>
+          </p:cNvSpPr>
+          <p:nvPr>
+            <p:ph idx="1"/>
+          </p:nvPr>
+        </p:nvSpPr>
+        <p:spPr>
+          <a:xfrm>
+            <a:off x="4039340" y="1671766"/>
+            <a:ext cx="7762135" cy="4748083"/>
+          </a:xfrm>
+          <a:noFill/>
+        </p:spPr>
+        <p:txBody>
+          <a:bodyPr>
+            <a:normAutofit/>
+          </a:bodyPr>
+          <a:lstStyle/>
+          <a:p>
+            <a:pPr marL="0" indent="0">
+              <a:buNone/>
+            </a:pPr>
+            <a:r>
+              <a:rPr lang="en-US" sz="2800" b="1" dirty="0"/>
+              <a:t>Mr. P. G. Abraham (96 </a:t>
+            </a:r>
+            <a:r>
+              <a:rPr lang="en-US" sz="2800" b="1" dirty="0" err="1"/>
+              <a:t>yrs</a:t>
+            </a:r>
+            <a:r>
+              <a:rPr lang="en-US" sz="2800" b="1" dirty="0"/>
+              <a:t>)</a:t>
+            </a:r>
+            <a:r>
+              <a:rPr lang="en-US" sz="2800" dirty="0"/>
+              <a:t> father of </a:t>
+            </a:r>
+            <a:r>
+              <a:rPr lang="en-US" sz="2800" b="1" dirty="0"/>
+              <a:t>Mrs. Molly Alexander (S074)</a:t>
+            </a:r>
+            <a:r>
+              <a:rPr lang="en-US" sz="2800" dirty="0"/>
+              <a:t> Was called to heavenly abode on May 6</a:t>
+            </a:r>
+            <a:r>
+              <a:rPr lang="en-US" sz="2800" baseline="30000" dirty="0"/>
+              <a:t>th</a:t>
+            </a:r>
+            <a:r>
+              <a:rPr lang="en-US" sz="2800" dirty="0"/>
+              <a:t>. The Funeral was held on May 7</a:t>
+            </a:r>
+            <a:r>
+              <a:rPr lang="en-US" sz="2800" baseline="30000" dirty="0"/>
+              <a:t>th</a:t>
+            </a:r>
+            <a:r>
+              <a:rPr lang="en-US" sz="2800" dirty="0"/>
+              <a:t> in Delhi. </a:t>
+            </a:r>
+          </a:p>
+          <a:p>
+            <a:pPr marL="0" indent="0">
+              <a:buNone/>
+            </a:pPr>
+            <a:r>
+              <a:rPr lang="en-US" sz="2800" dirty="0"/>
+              <a:t>The Cathedral expresses our heartfelt condolences. May the departed soul rest in peace.</a:t>
+            </a:r>
+          </a:p>
+        </p:txBody>
+      </p:sp>
+      <p:pic>
+        <p:nvPicPr>
+          <p:cNvPr id="9" name="Picture 8" descr="A close up of a flower&#10;&#10;Description automatically generated">
+            <a:extLst>
+              <a:ext uri="{FF2B5EF4-FFF2-40B4-BE49-F238E27FC236}">
+                <a16:creationId xmlns:a16="http://schemas.microsoft.com/office/drawing/2014/main" id="{C64352A9-4F48-4E22-8EA7-48BCFF692FC3}"/>
+              </a:ext>
+            </a:extLst>
+          </p:cNvPr>
+          <p:cNvPicPr>
+            <a:picLocks noChangeAspect="1"/>
+          </p:cNvPicPr>
+          <p:nvPr/>
+        </p:nvPicPr>
+        <p:blipFill>
+          <a:blip r:embed="rId3"/>
+          <a:stretch>
+            <a:fillRect/>
+          </a:stretch>
+        </p:blipFill>
+        <p:spPr>
+          <a:xfrm>
+            <a:off x="262103" y="3732875"/>
+            <a:ext cx="2990999" cy="2990999"/>
+          </a:xfrm>
+          <a:prstGeom prst="rect">
+            <a:avLst/>
+          </a:prstGeom>
+        </p:spPr>
+      </p:pic>
+      <p:pic>
+        <p:nvPicPr>
+          <p:cNvPr id="6" name="Picture 5">
+            <a:extLst>
+              <a:ext uri="{FF2B5EF4-FFF2-40B4-BE49-F238E27FC236}">
+                <a16:creationId xmlns:a16="http://schemas.microsoft.com/office/drawing/2014/main" id="{3EEDF2E7-D639-4513-96B6-DF35DD39AAB9}"/>
+              </a:ext>
+            </a:extLst>
+          </p:cNvPr>
+          <p:cNvPicPr>
+            <a:picLocks noChangeAspect="1"/>
+          </p:cNvPicPr>
+          <p:nvPr/>
+        </p:nvPicPr>
+        <p:blipFill>
+          <a:blip r:embed="rId4">
+            <a:extLst>
+              <a:ext uri="{28A0092B-C50C-407E-A947-70E740481C1C}">
+                <a14:useLocalDpi xmlns:a14="http://schemas.microsoft.com/office/drawing/2010/main" val="0"/>
+              </a:ext>
+            </a:extLst>
+          </a:blip>
+          <a:stretch>
+            <a:fillRect/>
+          </a:stretch>
+        </p:blipFill>
+        <p:spPr>
+          <a:xfrm>
+            <a:off x="563417" y="760466"/>
+            <a:ext cx="2309307" cy="2492266"/>
+          </a:xfrm>
+          <a:prstGeom prst="rect">
+            <a:avLst/>
+          </a:prstGeom>
+        </p:spPr>
+      </p:pic>
+    </p:spTree>
+    <p:extLst>
+      <p:ext uri="{BB962C8B-B14F-4D97-AF65-F5344CB8AC3E}">
+        <p14:creationId xmlns:p14="http://schemas.microsoft.com/office/powerpoint/2010/main" val="260425827"/>
+      </p:ext>
+    </p:extLst>
+  </p:cSld>
+  <p:clrMapOvr>
+    <a:overrideClrMapping bg1="lt1" tx1="dk1" bg2="lt2" tx2="dk2" accent1="accent1" accent2="accent2" accent3="accent3" accent4="accent4" accent5="accent5" accent6="accent6" hlink="hlink" folHlink="folHlink"/>
   </p:clrMapOvr>
 </p:sld>
 </file>
@@ -6984,4 +7471,90 @@
     </a:ext>
   </a:extLst>
 </a:theme>
+</file>
+
+<file path=ppt/theme/themeOverride1.xml><?xml version="1.0" encoding="utf-8"?>
+<a:themeOverride xmlns:a="http://schemas.openxmlformats.org/drawingml/2006/main">
+  <a:clrScheme name="Droplet">
+    <a:dk1>
+      <a:sysClr val="windowText" lastClr="000000"/>
+    </a:dk1>
+    <a:lt1>
+      <a:sysClr val="window" lastClr="FFFFFF"/>
+    </a:lt1>
+    <a:dk2>
+      <a:srgbClr val="355071"/>
+    </a:dk2>
+    <a:lt2>
+      <a:srgbClr val="AABED7"/>
+    </a:lt2>
+    <a:accent1>
+      <a:srgbClr val="2FA3EE"/>
+    </a:accent1>
+    <a:accent2>
+      <a:srgbClr val="4BCAAD"/>
+    </a:accent2>
+    <a:accent3>
+      <a:srgbClr val="86C157"/>
+    </a:accent3>
+    <a:accent4>
+      <a:srgbClr val="D99C3F"/>
+    </a:accent4>
+    <a:accent5>
+      <a:srgbClr val="CE6633"/>
+    </a:accent5>
+    <a:accent6>
+      <a:srgbClr val="A35DD1"/>
+    </a:accent6>
+    <a:hlink>
+      <a:srgbClr val="56BCFE"/>
+    </a:hlink>
+    <a:folHlink>
+      <a:srgbClr val="97C5E3"/>
+    </a:folHlink>
+  </a:clrScheme>
+</a:themeOverride>
+</file>
+
+<file path=ppt/theme/themeOverride2.xml><?xml version="1.0" encoding="utf-8"?>
+<a:themeOverride xmlns:a="http://schemas.openxmlformats.org/drawingml/2006/main">
+  <a:clrScheme name="Droplet">
+    <a:dk1>
+      <a:sysClr val="windowText" lastClr="000000"/>
+    </a:dk1>
+    <a:lt1>
+      <a:sysClr val="window" lastClr="FFFFFF"/>
+    </a:lt1>
+    <a:dk2>
+      <a:srgbClr val="355071"/>
+    </a:dk2>
+    <a:lt2>
+      <a:srgbClr val="AABED7"/>
+    </a:lt2>
+    <a:accent1>
+      <a:srgbClr val="2FA3EE"/>
+    </a:accent1>
+    <a:accent2>
+      <a:srgbClr val="4BCAAD"/>
+    </a:accent2>
+    <a:accent3>
+      <a:srgbClr val="86C157"/>
+    </a:accent3>
+    <a:accent4>
+      <a:srgbClr val="D99C3F"/>
+    </a:accent4>
+    <a:accent5>
+      <a:srgbClr val="CE6633"/>
+    </a:accent5>
+    <a:accent6>
+      <a:srgbClr val="A35DD1"/>
+    </a:accent6>
+    <a:hlink>
+      <a:srgbClr val="56BCFE"/>
+    </a:hlink>
+    <a:folHlink>
+      <a:srgbClr val="97C5E3"/>
+    </a:folHlink>
+  </a:clrScheme>
+</a:themeOverride>
 </file>